--- a/research presentation.pptx
+++ b/research presentation.pptx
@@ -14,7 +14,8 @@
     <p:sldId id="262" r:id="rId8"/>
     <p:sldId id="263" r:id="rId9"/>
     <p:sldId id="264" r:id="rId10"/>
-    <p:sldId id="265" r:id="rId11"/>
+    <p:sldId id="266" r:id="rId11"/>
+    <p:sldId id="265" r:id="rId12"/>
   </p:sldIdLst>
   <p:sldSz cx="12192000" cy="6858000"/>
   <p:notesSz cx="6858000" cy="9144000"/>
@@ -113,7 +114,3406 @@
       </a:defRPr>
     </a:lvl9pPr>
   </p:defaultTextStyle>
+  <p:extLst>
+    <p:ext uri="{EFAFB233-063F-42B5-8137-9DF3F51BA10A}">
+      <p15:sldGuideLst xmlns:p15="http://schemas.microsoft.com/office/powerpoint/2012/main"/>
+    </p:ext>
+  </p:extLst>
 </p:presentation>
+</file>
+
+<file path=ppt/diagrams/colors1.xml><?xml version="1.0" encoding="utf-8"?>
+<dgm:colorsDef xmlns:dgm="http://schemas.openxmlformats.org/drawingml/2006/diagram" xmlns:a="http://schemas.openxmlformats.org/drawingml/2006/main" uniqueId="urn:microsoft.com/office/officeart/2005/8/colors/accent1_2">
+  <dgm:title val=""/>
+  <dgm:desc val=""/>
+  <dgm:catLst>
+    <dgm:cat type="accent1" pri="11200"/>
+  </dgm:catLst>
+  <dgm:styleLbl name="node0">
+    <dgm:fillClrLst meth="repeat">
+      <a:schemeClr val="accent1"/>
+    </dgm:fillClrLst>
+    <dgm:linClrLst meth="repeat">
+      <a:schemeClr val="lt1"/>
+    </dgm:linClrLst>
+    <dgm:effectClrLst/>
+    <dgm:txLinClrLst/>
+    <dgm:txFillClrLst/>
+    <dgm:txEffectClrLst/>
+  </dgm:styleLbl>
+  <dgm:styleLbl name="alignNode1">
+    <dgm:fillClrLst meth="repeat">
+      <a:schemeClr val="accent1"/>
+    </dgm:fillClrLst>
+    <dgm:linClrLst meth="repeat">
+      <a:schemeClr val="accent1"/>
+    </dgm:linClrLst>
+    <dgm:effectClrLst/>
+    <dgm:txLinClrLst/>
+    <dgm:txFillClrLst/>
+    <dgm:txEffectClrLst/>
+  </dgm:styleLbl>
+  <dgm:styleLbl name="node1">
+    <dgm:fillClrLst meth="repeat">
+      <a:schemeClr val="accent1"/>
+    </dgm:fillClrLst>
+    <dgm:linClrLst meth="repeat">
+      <a:schemeClr val="lt1"/>
+    </dgm:linClrLst>
+    <dgm:effectClrLst/>
+    <dgm:txLinClrLst/>
+    <dgm:txFillClrLst/>
+    <dgm:txEffectClrLst/>
+  </dgm:styleLbl>
+  <dgm:styleLbl name="lnNode1">
+    <dgm:fillClrLst meth="repeat">
+      <a:schemeClr val="accent1"/>
+    </dgm:fillClrLst>
+    <dgm:linClrLst meth="repeat">
+      <a:schemeClr val="lt1"/>
+    </dgm:linClrLst>
+    <dgm:effectClrLst/>
+    <dgm:txLinClrLst/>
+    <dgm:txFillClrLst/>
+    <dgm:txEffectClrLst/>
+  </dgm:styleLbl>
+  <dgm:styleLbl name="vennNode1">
+    <dgm:fillClrLst meth="repeat">
+      <a:schemeClr val="accent1">
+        <a:alpha val="50000"/>
+      </a:schemeClr>
+    </dgm:fillClrLst>
+    <dgm:linClrLst meth="repeat">
+      <a:schemeClr val="lt1"/>
+    </dgm:linClrLst>
+    <dgm:effectClrLst/>
+    <dgm:txLinClrLst/>
+    <dgm:txFillClrLst/>
+    <dgm:txEffectClrLst/>
+  </dgm:styleLbl>
+  <dgm:styleLbl name="node2">
+    <dgm:fillClrLst meth="repeat">
+      <a:schemeClr val="accent1"/>
+    </dgm:fillClrLst>
+    <dgm:linClrLst meth="repeat">
+      <a:schemeClr val="lt1"/>
+    </dgm:linClrLst>
+    <dgm:effectClrLst/>
+    <dgm:txLinClrLst/>
+    <dgm:txFillClrLst/>
+    <dgm:txEffectClrLst/>
+  </dgm:styleLbl>
+  <dgm:styleLbl name="node3">
+    <dgm:fillClrLst meth="repeat">
+      <a:schemeClr val="accent1"/>
+    </dgm:fillClrLst>
+    <dgm:linClrLst meth="repeat">
+      <a:schemeClr val="lt1"/>
+    </dgm:linClrLst>
+    <dgm:effectClrLst/>
+    <dgm:txLinClrLst/>
+    <dgm:txFillClrLst/>
+    <dgm:txEffectClrLst/>
+  </dgm:styleLbl>
+  <dgm:styleLbl name="node4">
+    <dgm:fillClrLst meth="repeat">
+      <a:schemeClr val="accent1"/>
+    </dgm:fillClrLst>
+    <dgm:linClrLst meth="repeat">
+      <a:schemeClr val="lt1"/>
+    </dgm:linClrLst>
+    <dgm:effectClrLst/>
+    <dgm:txLinClrLst/>
+    <dgm:txFillClrLst/>
+    <dgm:txEffectClrLst/>
+  </dgm:styleLbl>
+  <dgm:styleLbl name="fgImgPlace1">
+    <dgm:fillClrLst meth="repeat">
+      <a:schemeClr val="accent1">
+        <a:tint val="50000"/>
+      </a:schemeClr>
+    </dgm:fillClrLst>
+    <dgm:linClrLst meth="repeat">
+      <a:schemeClr val="lt1"/>
+    </dgm:linClrLst>
+    <dgm:effectClrLst/>
+    <dgm:txLinClrLst/>
+    <dgm:txFillClrLst meth="repeat">
+      <a:schemeClr val="lt1"/>
+    </dgm:txFillClrLst>
+    <dgm:txEffectClrLst/>
+  </dgm:styleLbl>
+  <dgm:styleLbl name="alignImgPlace1">
+    <dgm:fillClrLst meth="repeat">
+      <a:schemeClr val="accent1">
+        <a:tint val="50000"/>
+      </a:schemeClr>
+    </dgm:fillClrLst>
+    <dgm:linClrLst meth="repeat">
+      <a:schemeClr val="lt1"/>
+    </dgm:linClrLst>
+    <dgm:effectClrLst/>
+    <dgm:txLinClrLst/>
+    <dgm:txFillClrLst meth="repeat">
+      <a:schemeClr val="lt1"/>
+    </dgm:txFillClrLst>
+    <dgm:txEffectClrLst/>
+  </dgm:styleLbl>
+  <dgm:styleLbl name="bgImgPlace1">
+    <dgm:fillClrLst meth="repeat">
+      <a:schemeClr val="accent1">
+        <a:tint val="50000"/>
+      </a:schemeClr>
+    </dgm:fillClrLst>
+    <dgm:linClrLst meth="repeat">
+      <a:schemeClr val="lt1"/>
+    </dgm:linClrLst>
+    <dgm:effectClrLst/>
+    <dgm:txLinClrLst/>
+    <dgm:txFillClrLst meth="repeat">
+      <a:schemeClr val="lt1"/>
+    </dgm:txFillClrLst>
+    <dgm:txEffectClrLst/>
+  </dgm:styleLbl>
+  <dgm:styleLbl name="sibTrans2D1">
+    <dgm:fillClrLst meth="repeat">
+      <a:schemeClr val="accent1">
+        <a:tint val="60000"/>
+      </a:schemeClr>
+    </dgm:fillClrLst>
+    <dgm:linClrLst meth="repeat">
+      <a:schemeClr val="accent1">
+        <a:tint val="60000"/>
+      </a:schemeClr>
+    </dgm:linClrLst>
+    <dgm:effectClrLst/>
+    <dgm:txLinClrLst/>
+    <dgm:txFillClrLst/>
+    <dgm:txEffectClrLst/>
+  </dgm:styleLbl>
+  <dgm:styleLbl name="fgSibTrans2D1">
+    <dgm:fillClrLst meth="repeat">
+      <a:schemeClr val="accent1">
+        <a:tint val="60000"/>
+      </a:schemeClr>
+    </dgm:fillClrLst>
+    <dgm:linClrLst meth="repeat">
+      <a:schemeClr val="accent1">
+        <a:tint val="60000"/>
+      </a:schemeClr>
+    </dgm:linClrLst>
+    <dgm:effectClrLst/>
+    <dgm:txLinClrLst/>
+    <dgm:txFillClrLst/>
+    <dgm:txEffectClrLst/>
+  </dgm:styleLbl>
+  <dgm:styleLbl name="bgSibTrans2D1">
+    <dgm:fillClrLst meth="repeat">
+      <a:schemeClr val="accent1">
+        <a:tint val="60000"/>
+      </a:schemeClr>
+    </dgm:fillClrLst>
+    <dgm:linClrLst meth="repeat">
+      <a:schemeClr val="accent1">
+        <a:tint val="60000"/>
+      </a:schemeClr>
+    </dgm:linClrLst>
+    <dgm:effectClrLst/>
+    <dgm:txLinClrLst/>
+    <dgm:txFillClrLst/>
+    <dgm:txEffectClrLst/>
+  </dgm:styleLbl>
+  <dgm:styleLbl name="sibTrans1D1">
+    <dgm:fillClrLst meth="repeat">
+      <a:schemeClr val="accent1"/>
+    </dgm:fillClrLst>
+    <dgm:linClrLst meth="repeat">
+      <a:schemeClr val="accent1"/>
+    </dgm:linClrLst>
+    <dgm:effectClrLst/>
+    <dgm:txLinClrLst/>
+    <dgm:txFillClrLst meth="repeat">
+      <a:schemeClr val="tx1"/>
+    </dgm:txFillClrLst>
+    <dgm:txEffectClrLst/>
+  </dgm:styleLbl>
+  <dgm:styleLbl name="callout">
+    <dgm:fillClrLst meth="repeat">
+      <a:schemeClr val="accent1"/>
+    </dgm:fillClrLst>
+    <dgm:linClrLst meth="repeat">
+      <a:schemeClr val="accent1">
+        <a:tint val="50000"/>
+      </a:schemeClr>
+    </dgm:linClrLst>
+    <dgm:effectClrLst/>
+    <dgm:txLinClrLst/>
+    <dgm:txFillClrLst meth="repeat">
+      <a:schemeClr val="tx1"/>
+    </dgm:txFillClrLst>
+    <dgm:txEffectClrLst/>
+  </dgm:styleLbl>
+  <dgm:styleLbl name="asst0">
+    <dgm:fillClrLst meth="repeat">
+      <a:schemeClr val="accent1"/>
+    </dgm:fillClrLst>
+    <dgm:linClrLst meth="repeat">
+      <a:schemeClr val="lt1"/>
+    </dgm:linClrLst>
+    <dgm:effectClrLst/>
+    <dgm:txLinClrLst/>
+    <dgm:txFillClrLst/>
+    <dgm:txEffectClrLst/>
+  </dgm:styleLbl>
+  <dgm:styleLbl name="asst1">
+    <dgm:fillClrLst meth="repeat">
+      <a:schemeClr val="accent1"/>
+    </dgm:fillClrLst>
+    <dgm:linClrLst meth="repeat">
+      <a:schemeClr val="lt1"/>
+    </dgm:linClrLst>
+    <dgm:effectClrLst/>
+    <dgm:txLinClrLst/>
+    <dgm:txFillClrLst/>
+    <dgm:txEffectClrLst/>
+  </dgm:styleLbl>
+  <dgm:styleLbl name="asst2">
+    <dgm:fillClrLst meth="repeat">
+      <a:schemeClr val="accent1"/>
+    </dgm:fillClrLst>
+    <dgm:linClrLst meth="repeat">
+      <a:schemeClr val="lt1"/>
+    </dgm:linClrLst>
+    <dgm:effectClrLst/>
+    <dgm:txLinClrLst/>
+    <dgm:txFillClrLst/>
+    <dgm:txEffectClrLst/>
+  </dgm:styleLbl>
+  <dgm:styleLbl name="asst3">
+    <dgm:fillClrLst meth="repeat">
+      <a:schemeClr val="accent1"/>
+    </dgm:fillClrLst>
+    <dgm:linClrLst meth="repeat">
+      <a:schemeClr val="lt1"/>
+    </dgm:linClrLst>
+    <dgm:effectClrLst/>
+    <dgm:txLinClrLst/>
+    <dgm:txFillClrLst/>
+    <dgm:txEffectClrLst/>
+  </dgm:styleLbl>
+  <dgm:styleLbl name="asst4">
+    <dgm:fillClrLst meth="repeat">
+      <a:schemeClr val="accent1"/>
+    </dgm:fillClrLst>
+    <dgm:linClrLst meth="repeat">
+      <a:schemeClr val="lt1"/>
+    </dgm:linClrLst>
+    <dgm:effectClrLst/>
+    <dgm:txLinClrLst/>
+    <dgm:txFillClrLst/>
+    <dgm:txEffectClrLst/>
+  </dgm:styleLbl>
+  <dgm:styleLbl name="parChTrans2D1">
+    <dgm:fillClrLst meth="repeat">
+      <a:schemeClr val="accent1">
+        <a:tint val="60000"/>
+      </a:schemeClr>
+    </dgm:fillClrLst>
+    <dgm:linClrLst meth="repeat">
+      <a:schemeClr val="accent1">
+        <a:tint val="60000"/>
+      </a:schemeClr>
+    </dgm:linClrLst>
+    <dgm:effectClrLst/>
+    <dgm:txLinClrLst/>
+    <dgm:txFillClrLst meth="repeat">
+      <a:schemeClr val="lt1"/>
+    </dgm:txFillClrLst>
+    <dgm:txEffectClrLst/>
+  </dgm:styleLbl>
+  <dgm:styleLbl name="parChTrans2D2">
+    <dgm:fillClrLst meth="repeat">
+      <a:schemeClr val="accent1"/>
+    </dgm:fillClrLst>
+    <dgm:linClrLst meth="repeat">
+      <a:schemeClr val="accent1"/>
+    </dgm:linClrLst>
+    <dgm:effectClrLst/>
+    <dgm:txLinClrLst/>
+    <dgm:txFillClrLst meth="repeat">
+      <a:schemeClr val="lt1"/>
+    </dgm:txFillClrLst>
+    <dgm:txEffectClrLst/>
+  </dgm:styleLbl>
+  <dgm:styleLbl name="parChTrans2D3">
+    <dgm:fillClrLst meth="repeat">
+      <a:schemeClr val="accent1"/>
+    </dgm:fillClrLst>
+    <dgm:linClrLst meth="repeat">
+      <a:schemeClr val="accent1"/>
+    </dgm:linClrLst>
+    <dgm:effectClrLst/>
+    <dgm:txLinClrLst/>
+    <dgm:txFillClrLst meth="repeat">
+      <a:schemeClr val="lt1"/>
+    </dgm:txFillClrLst>
+    <dgm:txEffectClrLst/>
+  </dgm:styleLbl>
+  <dgm:styleLbl name="parChTrans2D4">
+    <dgm:fillClrLst meth="repeat">
+      <a:schemeClr val="accent1"/>
+    </dgm:fillClrLst>
+    <dgm:linClrLst meth="repeat">
+      <a:schemeClr val="accent1"/>
+    </dgm:linClrLst>
+    <dgm:effectClrLst/>
+    <dgm:txLinClrLst/>
+    <dgm:txFillClrLst meth="repeat">
+      <a:schemeClr val="lt1"/>
+    </dgm:txFillClrLst>
+    <dgm:txEffectClrLst/>
+  </dgm:styleLbl>
+  <dgm:styleLbl name="parChTrans1D1">
+    <dgm:fillClrLst meth="repeat">
+      <a:schemeClr val="accent1"/>
+    </dgm:fillClrLst>
+    <dgm:linClrLst meth="repeat">
+      <a:schemeClr val="accent1">
+        <a:shade val="60000"/>
+      </a:schemeClr>
+    </dgm:linClrLst>
+    <dgm:effectClrLst/>
+    <dgm:txLinClrLst/>
+    <dgm:txFillClrLst meth="repeat">
+      <a:schemeClr val="tx1"/>
+    </dgm:txFillClrLst>
+    <dgm:txEffectClrLst/>
+  </dgm:styleLbl>
+  <dgm:styleLbl name="parChTrans1D2">
+    <dgm:fillClrLst meth="repeat">
+      <a:schemeClr val="accent1"/>
+    </dgm:fillClrLst>
+    <dgm:linClrLst meth="repeat">
+      <a:schemeClr val="accent1">
+        <a:shade val="60000"/>
+      </a:schemeClr>
+    </dgm:linClrLst>
+    <dgm:effectClrLst/>
+    <dgm:txLinClrLst/>
+    <dgm:txFillClrLst meth="repeat">
+      <a:schemeClr val="tx1"/>
+    </dgm:txFillClrLst>
+    <dgm:txEffectClrLst/>
+  </dgm:styleLbl>
+  <dgm:styleLbl name="parChTrans1D3">
+    <dgm:fillClrLst meth="repeat">
+      <a:schemeClr val="accent1"/>
+    </dgm:fillClrLst>
+    <dgm:linClrLst meth="repeat">
+      <a:schemeClr val="accent1">
+        <a:shade val="80000"/>
+      </a:schemeClr>
+    </dgm:linClrLst>
+    <dgm:effectClrLst/>
+    <dgm:txLinClrLst/>
+    <dgm:txFillClrLst meth="repeat">
+      <a:schemeClr val="tx1"/>
+    </dgm:txFillClrLst>
+    <dgm:txEffectClrLst/>
+  </dgm:styleLbl>
+  <dgm:styleLbl name="parChTrans1D4">
+    <dgm:fillClrLst meth="repeat">
+      <a:schemeClr val="accent1"/>
+    </dgm:fillClrLst>
+    <dgm:linClrLst meth="repeat">
+      <a:schemeClr val="accent1">
+        <a:shade val="80000"/>
+      </a:schemeClr>
+    </dgm:linClrLst>
+    <dgm:effectClrLst/>
+    <dgm:txLinClrLst/>
+    <dgm:txFillClrLst meth="repeat">
+      <a:schemeClr val="tx1"/>
+    </dgm:txFillClrLst>
+    <dgm:txEffectClrLst/>
+  </dgm:styleLbl>
+  <dgm:styleLbl name="fgAcc1">
+    <dgm:fillClrLst meth="repeat">
+      <a:schemeClr val="lt1">
+        <a:alpha val="90000"/>
+      </a:schemeClr>
+    </dgm:fillClrLst>
+    <dgm:linClrLst meth="repeat">
+      <a:schemeClr val="accent1"/>
+    </dgm:linClrLst>
+    <dgm:effectClrLst/>
+    <dgm:txLinClrLst/>
+    <dgm:txFillClrLst meth="repeat">
+      <a:schemeClr val="dk1"/>
+    </dgm:txFillClrLst>
+    <dgm:txEffectClrLst/>
+  </dgm:styleLbl>
+  <dgm:styleLbl name="conFgAcc1">
+    <dgm:fillClrLst meth="repeat">
+      <a:schemeClr val="lt1">
+        <a:alpha val="90000"/>
+      </a:schemeClr>
+    </dgm:fillClrLst>
+    <dgm:linClrLst meth="repeat">
+      <a:schemeClr val="accent1"/>
+    </dgm:linClrLst>
+    <dgm:effectClrLst/>
+    <dgm:txLinClrLst/>
+    <dgm:txFillClrLst meth="repeat">
+      <a:schemeClr val="dk1"/>
+    </dgm:txFillClrLst>
+    <dgm:txEffectClrLst/>
+  </dgm:styleLbl>
+  <dgm:styleLbl name="alignAcc1">
+    <dgm:fillClrLst meth="repeat">
+      <a:schemeClr val="lt1">
+        <a:alpha val="90000"/>
+      </a:schemeClr>
+    </dgm:fillClrLst>
+    <dgm:linClrLst meth="repeat">
+      <a:schemeClr val="accent1"/>
+    </dgm:linClrLst>
+    <dgm:effectClrLst/>
+    <dgm:txLinClrLst/>
+    <dgm:txFillClrLst meth="repeat">
+      <a:schemeClr val="dk1"/>
+    </dgm:txFillClrLst>
+    <dgm:txEffectClrLst/>
+  </dgm:styleLbl>
+  <dgm:styleLbl name="trAlignAcc1">
+    <dgm:fillClrLst meth="repeat">
+      <a:schemeClr val="lt1">
+        <a:alpha val="40000"/>
+      </a:schemeClr>
+    </dgm:fillClrLst>
+    <dgm:linClrLst meth="repeat">
+      <a:schemeClr val="accent1"/>
+    </dgm:linClrLst>
+    <dgm:effectClrLst/>
+    <dgm:txLinClrLst/>
+    <dgm:txFillClrLst meth="repeat">
+      <a:schemeClr val="dk1"/>
+    </dgm:txFillClrLst>
+    <dgm:txEffectClrLst/>
+  </dgm:styleLbl>
+  <dgm:styleLbl name="bgAcc1">
+    <dgm:fillClrLst meth="repeat">
+      <a:schemeClr val="lt1">
+        <a:alpha val="90000"/>
+      </a:schemeClr>
+    </dgm:fillClrLst>
+    <dgm:linClrLst meth="repeat">
+      <a:schemeClr val="accent1"/>
+    </dgm:linClrLst>
+    <dgm:effectClrLst/>
+    <dgm:txLinClrLst/>
+    <dgm:txFillClrLst meth="repeat">
+      <a:schemeClr val="dk1"/>
+    </dgm:txFillClrLst>
+    <dgm:txEffectClrLst/>
+  </dgm:styleLbl>
+  <dgm:styleLbl name="solidFgAcc1">
+    <dgm:fillClrLst meth="repeat">
+      <a:schemeClr val="lt1"/>
+    </dgm:fillClrLst>
+    <dgm:linClrLst meth="repeat">
+      <a:schemeClr val="accent1"/>
+    </dgm:linClrLst>
+    <dgm:effectClrLst/>
+    <dgm:txLinClrLst/>
+    <dgm:txFillClrLst meth="repeat">
+      <a:schemeClr val="dk1"/>
+    </dgm:txFillClrLst>
+    <dgm:txEffectClrLst/>
+  </dgm:styleLbl>
+  <dgm:styleLbl name="solidAlignAcc1">
+    <dgm:fillClrLst meth="repeat">
+      <a:schemeClr val="lt1"/>
+    </dgm:fillClrLst>
+    <dgm:linClrLst meth="repeat">
+      <a:schemeClr val="accent1"/>
+    </dgm:linClrLst>
+    <dgm:effectClrLst/>
+    <dgm:txLinClrLst/>
+    <dgm:txFillClrLst meth="repeat">
+      <a:schemeClr val="dk1"/>
+    </dgm:txFillClrLst>
+    <dgm:txEffectClrLst/>
+  </dgm:styleLbl>
+  <dgm:styleLbl name="solidBgAcc1">
+    <dgm:fillClrLst meth="repeat">
+      <a:schemeClr val="lt1"/>
+    </dgm:fillClrLst>
+    <dgm:linClrLst meth="repeat">
+      <a:schemeClr val="accent1"/>
+    </dgm:linClrLst>
+    <dgm:effectClrLst/>
+    <dgm:txLinClrLst/>
+    <dgm:txFillClrLst meth="repeat">
+      <a:schemeClr val="dk1"/>
+    </dgm:txFillClrLst>
+    <dgm:txEffectClrLst/>
+  </dgm:styleLbl>
+  <dgm:styleLbl name="fgAccFollowNode1">
+    <dgm:fillClrLst meth="repeat">
+      <a:schemeClr val="accent1">
+        <a:alpha val="90000"/>
+        <a:tint val="40000"/>
+      </a:schemeClr>
+    </dgm:fillClrLst>
+    <dgm:linClrLst meth="repeat">
+      <a:schemeClr val="accent1">
+        <a:alpha val="90000"/>
+        <a:tint val="40000"/>
+      </a:schemeClr>
+    </dgm:linClrLst>
+    <dgm:effectClrLst/>
+    <dgm:txLinClrLst/>
+    <dgm:txFillClrLst meth="repeat">
+      <a:schemeClr val="dk1"/>
+    </dgm:txFillClrLst>
+    <dgm:txEffectClrLst/>
+  </dgm:styleLbl>
+  <dgm:styleLbl name="alignAccFollowNode1">
+    <dgm:fillClrLst meth="repeat">
+      <a:schemeClr val="accent1">
+        <a:alpha val="90000"/>
+        <a:tint val="40000"/>
+      </a:schemeClr>
+    </dgm:fillClrLst>
+    <dgm:linClrLst meth="repeat">
+      <a:schemeClr val="accent1">
+        <a:alpha val="90000"/>
+        <a:tint val="40000"/>
+      </a:schemeClr>
+    </dgm:linClrLst>
+    <dgm:effectClrLst/>
+    <dgm:txLinClrLst/>
+    <dgm:txFillClrLst meth="repeat">
+      <a:schemeClr val="dk1"/>
+    </dgm:txFillClrLst>
+    <dgm:txEffectClrLst/>
+  </dgm:styleLbl>
+  <dgm:styleLbl name="bgAccFollowNode1">
+    <dgm:fillClrLst meth="repeat">
+      <a:schemeClr val="accent1">
+        <a:alpha val="90000"/>
+        <a:tint val="40000"/>
+      </a:schemeClr>
+    </dgm:fillClrLst>
+    <dgm:linClrLst meth="repeat">
+      <a:schemeClr val="accent1">
+        <a:alpha val="90000"/>
+        <a:tint val="40000"/>
+      </a:schemeClr>
+    </dgm:linClrLst>
+    <dgm:effectClrLst/>
+    <dgm:txLinClrLst/>
+    <dgm:txFillClrLst meth="repeat">
+      <a:schemeClr val="dk1"/>
+    </dgm:txFillClrLst>
+    <dgm:txEffectClrLst/>
+  </dgm:styleLbl>
+  <dgm:styleLbl name="fgAcc0">
+    <dgm:fillClrLst meth="repeat">
+      <a:schemeClr val="lt1">
+        <a:alpha val="90000"/>
+      </a:schemeClr>
+    </dgm:fillClrLst>
+    <dgm:linClrLst meth="repeat">
+      <a:schemeClr val="accent1"/>
+    </dgm:linClrLst>
+    <dgm:effectClrLst/>
+    <dgm:txLinClrLst/>
+    <dgm:txFillClrLst meth="repeat">
+      <a:schemeClr val="dk1"/>
+    </dgm:txFillClrLst>
+    <dgm:txEffectClrLst/>
+  </dgm:styleLbl>
+  <dgm:styleLbl name="fgAcc2">
+    <dgm:fillClrLst meth="repeat">
+      <a:schemeClr val="lt1">
+        <a:alpha val="90000"/>
+      </a:schemeClr>
+    </dgm:fillClrLst>
+    <dgm:linClrLst meth="repeat">
+      <a:schemeClr val="accent1"/>
+    </dgm:linClrLst>
+    <dgm:effectClrLst/>
+    <dgm:txLinClrLst/>
+    <dgm:txFillClrLst meth="repeat">
+      <a:schemeClr val="dk1"/>
+    </dgm:txFillClrLst>
+    <dgm:txEffectClrLst/>
+  </dgm:styleLbl>
+  <dgm:styleLbl name="fgAcc3">
+    <dgm:fillClrLst meth="repeat">
+      <a:schemeClr val="lt1">
+        <a:alpha val="90000"/>
+      </a:schemeClr>
+    </dgm:fillClrLst>
+    <dgm:linClrLst meth="repeat">
+      <a:schemeClr val="accent1"/>
+    </dgm:linClrLst>
+    <dgm:effectClrLst/>
+    <dgm:txLinClrLst/>
+    <dgm:txFillClrLst meth="repeat">
+      <a:schemeClr val="dk1"/>
+    </dgm:txFillClrLst>
+    <dgm:txEffectClrLst/>
+  </dgm:styleLbl>
+  <dgm:styleLbl name="fgAcc4">
+    <dgm:fillClrLst meth="repeat">
+      <a:schemeClr val="lt1">
+        <a:alpha val="90000"/>
+      </a:schemeClr>
+    </dgm:fillClrLst>
+    <dgm:linClrLst meth="repeat">
+      <a:schemeClr val="accent1"/>
+    </dgm:linClrLst>
+    <dgm:effectClrLst/>
+    <dgm:txLinClrLst/>
+    <dgm:txFillClrLst meth="repeat">
+      <a:schemeClr val="dk1"/>
+    </dgm:txFillClrLst>
+    <dgm:txEffectClrLst/>
+  </dgm:styleLbl>
+  <dgm:styleLbl name="bgShp">
+    <dgm:fillClrLst meth="repeat">
+      <a:schemeClr val="accent1">
+        <a:tint val="40000"/>
+      </a:schemeClr>
+    </dgm:fillClrLst>
+    <dgm:linClrLst meth="repeat">
+      <a:schemeClr val="accent1"/>
+    </dgm:linClrLst>
+    <dgm:effectClrLst/>
+    <dgm:txLinClrLst/>
+    <dgm:txFillClrLst meth="repeat">
+      <a:schemeClr val="dk1"/>
+    </dgm:txFillClrLst>
+    <dgm:txEffectClrLst/>
+  </dgm:styleLbl>
+  <dgm:styleLbl name="dkBgShp">
+    <dgm:fillClrLst meth="repeat">
+      <a:schemeClr val="accent1">
+        <a:shade val="80000"/>
+      </a:schemeClr>
+    </dgm:fillClrLst>
+    <dgm:linClrLst meth="repeat">
+      <a:schemeClr val="accent1"/>
+    </dgm:linClrLst>
+    <dgm:effectClrLst/>
+    <dgm:txLinClrLst/>
+    <dgm:txFillClrLst meth="repeat">
+      <a:schemeClr val="lt1"/>
+    </dgm:txFillClrLst>
+    <dgm:txEffectClrLst/>
+  </dgm:styleLbl>
+  <dgm:styleLbl name="trBgShp">
+    <dgm:fillClrLst meth="repeat">
+      <a:schemeClr val="accent1">
+        <a:tint val="50000"/>
+        <a:alpha val="40000"/>
+      </a:schemeClr>
+    </dgm:fillClrLst>
+    <dgm:linClrLst meth="repeat">
+      <a:schemeClr val="accent1"/>
+    </dgm:linClrLst>
+    <dgm:effectClrLst/>
+    <dgm:txLinClrLst/>
+    <dgm:txFillClrLst meth="repeat">
+      <a:schemeClr val="lt1"/>
+    </dgm:txFillClrLst>
+    <dgm:txEffectClrLst/>
+  </dgm:styleLbl>
+  <dgm:styleLbl name="fgShp">
+    <dgm:fillClrLst meth="repeat">
+      <a:schemeClr val="accent1">
+        <a:tint val="60000"/>
+      </a:schemeClr>
+    </dgm:fillClrLst>
+    <dgm:linClrLst meth="repeat">
+      <a:schemeClr val="lt1"/>
+    </dgm:linClrLst>
+    <dgm:effectClrLst/>
+    <dgm:txLinClrLst/>
+    <dgm:txFillClrLst meth="repeat">
+      <a:schemeClr val="dk1"/>
+    </dgm:txFillClrLst>
+    <dgm:txEffectClrLst/>
+  </dgm:styleLbl>
+  <dgm:styleLbl name="revTx">
+    <dgm:fillClrLst meth="repeat">
+      <a:schemeClr val="lt1">
+        <a:alpha val="0"/>
+      </a:schemeClr>
+    </dgm:fillClrLst>
+    <dgm:linClrLst meth="repeat">
+      <a:schemeClr val="dk1">
+        <a:alpha val="0"/>
+      </a:schemeClr>
+    </dgm:linClrLst>
+    <dgm:effectClrLst/>
+    <dgm:txLinClrLst/>
+    <dgm:txFillClrLst meth="repeat">
+      <a:schemeClr val="tx1"/>
+    </dgm:txFillClrLst>
+    <dgm:txEffectClrLst/>
+  </dgm:styleLbl>
+</dgm:colorsDef>
+</file>
+
+<file path=ppt/diagrams/data1.xml><?xml version="1.0" encoding="utf-8"?>
+<dgm:dataModel xmlns:dgm="http://schemas.openxmlformats.org/drawingml/2006/diagram" xmlns:a="http://schemas.openxmlformats.org/drawingml/2006/main">
+  <dgm:ptLst>
+    <dgm:pt modelId="{F02CD7F5-C30D-4348-952F-99C78D5D8111}" type="doc">
+      <dgm:prSet loTypeId="urn:microsoft.com/office/officeart/2005/8/layout/lProcess1" loCatId="" qsTypeId="urn:microsoft.com/office/officeart/2005/8/quickstyle/simple1" qsCatId="simple" csTypeId="urn:microsoft.com/office/officeart/2005/8/colors/accent1_2" csCatId="accent1" phldr="1"/>
+      <dgm:spPr/>
+      <dgm:t>
+        <a:bodyPr/>
+        <a:lstStyle/>
+        <a:p>
+          <a:endParaRPr lang="en-US"/>
+        </a:p>
+      </dgm:t>
+    </dgm:pt>
+    <dgm:pt modelId="{0441D30E-88FE-E44D-936A-A0CDF8ECC3DC}">
+      <dgm:prSet phldrT="[Text]"/>
+      <dgm:spPr/>
+      <dgm:t>
+        <a:bodyPr/>
+        <a:lstStyle/>
+        <a:p>
+          <a:r>
+            <a:rPr lang="en-US" dirty="0"/>
+            <a:t>Input gun laws as binary matrix</a:t>
+          </a:r>
+        </a:p>
+      </dgm:t>
+    </dgm:pt>
+    <dgm:pt modelId="{BCB4561F-7401-CC4E-88C6-CB619152A947}" type="parTrans" cxnId="{41E0B742-B778-C746-83FC-6DCBDEC88D67}">
+      <dgm:prSet/>
+      <dgm:spPr/>
+      <dgm:t>
+        <a:bodyPr/>
+        <a:lstStyle/>
+        <a:p>
+          <a:endParaRPr lang="en-US"/>
+        </a:p>
+      </dgm:t>
+    </dgm:pt>
+    <dgm:pt modelId="{A4E1B776-7474-6543-BF0B-B7E7E79F8F40}" type="sibTrans" cxnId="{41E0B742-B778-C746-83FC-6DCBDEC88D67}">
+      <dgm:prSet/>
+      <dgm:spPr/>
+      <dgm:t>
+        <a:bodyPr/>
+        <a:lstStyle/>
+        <a:p>
+          <a:endParaRPr lang="en-US"/>
+        </a:p>
+      </dgm:t>
+    </dgm:pt>
+    <dgm:pt modelId="{CC3FD866-3CDB-284C-A329-551BCE698B8D}">
+      <dgm:prSet phldrT="[Text]"/>
+      <dgm:spPr/>
+      <dgm:t>
+        <a:bodyPr/>
+        <a:lstStyle/>
+        <a:p>
+          <a:r>
+            <a:rPr lang="en-US" dirty="0"/>
+            <a:t>Output is percent influence of law </a:t>
+          </a:r>
+        </a:p>
+      </dgm:t>
+    </dgm:pt>
+    <dgm:pt modelId="{54945AA8-9D5A-AD4E-96D3-91C42005AB4C}" type="parTrans" cxnId="{2CB64E01-967C-0B4A-936E-3B29748E7082}">
+      <dgm:prSet/>
+      <dgm:spPr/>
+      <dgm:t>
+        <a:bodyPr/>
+        <a:lstStyle/>
+        <a:p>
+          <a:endParaRPr lang="en-US"/>
+        </a:p>
+      </dgm:t>
+    </dgm:pt>
+    <dgm:pt modelId="{2F12E7C4-87F0-7047-B656-CF55C8A47614}" type="sibTrans" cxnId="{2CB64E01-967C-0B4A-936E-3B29748E7082}">
+      <dgm:prSet/>
+      <dgm:spPr/>
+      <dgm:t>
+        <a:bodyPr/>
+        <a:lstStyle/>
+        <a:p>
+          <a:endParaRPr lang="en-US"/>
+        </a:p>
+      </dgm:t>
+    </dgm:pt>
+    <dgm:pt modelId="{EA93F404-5D9B-ED40-B0DC-34177D21A904}">
+      <dgm:prSet phldrT="[Text]"/>
+      <dgm:spPr/>
+      <dgm:t>
+        <a:bodyPr/>
+        <a:lstStyle/>
+        <a:p>
+          <a:r>
+            <a:rPr lang="en-US" dirty="0"/>
+            <a:t>Input gun violence statistics by category</a:t>
+          </a:r>
+        </a:p>
+      </dgm:t>
+    </dgm:pt>
+    <dgm:pt modelId="{54CDCE0E-CA9D-CD42-A552-2886D756B5F1}" type="sibTrans" cxnId="{C7914B00-EC9B-5043-B4C6-0C925646DA16}">
+      <dgm:prSet/>
+      <dgm:spPr/>
+      <dgm:t>
+        <a:bodyPr/>
+        <a:lstStyle/>
+        <a:p>
+          <a:endParaRPr lang="en-US"/>
+        </a:p>
+      </dgm:t>
+    </dgm:pt>
+    <dgm:pt modelId="{1FDEDE92-8FAE-604C-8295-E3AEB311F0B5}" type="parTrans" cxnId="{C7914B00-EC9B-5043-B4C6-0C925646DA16}">
+      <dgm:prSet/>
+      <dgm:spPr/>
+      <dgm:t>
+        <a:bodyPr/>
+        <a:lstStyle/>
+        <a:p>
+          <a:endParaRPr lang="en-US"/>
+        </a:p>
+      </dgm:t>
+    </dgm:pt>
+    <dgm:pt modelId="{B022E2A1-B6ED-A84D-BDC9-CD0F7BC40B82}">
+      <dgm:prSet/>
+      <dgm:spPr/>
+      <dgm:t>
+        <a:bodyPr/>
+        <a:lstStyle/>
+        <a:p>
+          <a:r>
+            <a:rPr lang="en-US" dirty="0"/>
+            <a:t>Run TensorFlow</a:t>
+          </a:r>
+        </a:p>
+      </dgm:t>
+    </dgm:pt>
+    <dgm:pt modelId="{BA315434-8D65-8446-B37A-3B71B9B8EBD4}" type="parTrans" cxnId="{88316DC2-4472-3643-AF50-61A500471BBB}">
+      <dgm:prSet/>
+      <dgm:spPr/>
+      <dgm:t>
+        <a:bodyPr/>
+        <a:lstStyle/>
+        <a:p>
+          <a:endParaRPr lang="en-US"/>
+        </a:p>
+      </dgm:t>
+    </dgm:pt>
+    <dgm:pt modelId="{3D1DC885-D41B-BF42-AB1D-F835D19C6A99}" type="sibTrans" cxnId="{88316DC2-4472-3643-AF50-61A500471BBB}">
+      <dgm:prSet/>
+      <dgm:spPr/>
+      <dgm:t>
+        <a:bodyPr/>
+        <a:lstStyle/>
+        <a:p>
+          <a:endParaRPr lang="en-US"/>
+        </a:p>
+      </dgm:t>
+    </dgm:pt>
+    <dgm:pt modelId="{7D31FDE2-1347-6749-86B6-69FDEDAE6D66}">
+      <dgm:prSet/>
+      <dgm:spPr/>
+      <dgm:t>
+        <a:bodyPr/>
+        <a:lstStyle/>
+        <a:p>
+          <a:r>
+            <a:rPr lang="en-US" dirty="0"/>
+            <a:t>Train machine </a:t>
+          </a:r>
+          <a:r>
+            <a:rPr lang="en-US"/>
+            <a:t>with known cases</a:t>
+          </a:r>
+          <a:endParaRPr lang="en-US" dirty="0"/>
+        </a:p>
+      </dgm:t>
+    </dgm:pt>
+    <dgm:pt modelId="{818B386E-6654-A448-8B31-8937E34A2AEC}" type="parTrans" cxnId="{1AC78B44-1863-7046-B315-A3ABFA053E5C}">
+      <dgm:prSet/>
+      <dgm:spPr/>
+      <dgm:t>
+        <a:bodyPr/>
+        <a:lstStyle/>
+        <a:p>
+          <a:endParaRPr lang="en-US"/>
+        </a:p>
+      </dgm:t>
+    </dgm:pt>
+    <dgm:pt modelId="{194AA046-64A7-134E-B14E-7FB3D1929F5F}" type="sibTrans" cxnId="{1AC78B44-1863-7046-B315-A3ABFA053E5C}">
+      <dgm:prSet/>
+      <dgm:spPr/>
+      <dgm:t>
+        <a:bodyPr/>
+        <a:lstStyle/>
+        <a:p>
+          <a:endParaRPr lang="en-US"/>
+        </a:p>
+      </dgm:t>
+    </dgm:pt>
+    <dgm:pt modelId="{5AAD1B36-8E8B-BE4E-AED4-089A27F935D7}">
+      <dgm:prSet/>
+      <dgm:spPr/>
+      <dgm:t>
+        <a:bodyPr/>
+        <a:lstStyle/>
+        <a:p>
+          <a:r>
+            <a:rPr lang="en-US" dirty="0"/>
+            <a:t>Repeat training function until accuracy achieved and model defined</a:t>
+          </a:r>
+        </a:p>
+      </dgm:t>
+    </dgm:pt>
+    <dgm:pt modelId="{D39DF83F-90AA-9A4C-891D-D591ABC1D7EA}" type="parTrans" cxnId="{148D1DD9-2057-2F45-A846-DC31B8ABC4BF}">
+      <dgm:prSet/>
+      <dgm:spPr/>
+      <dgm:t>
+        <a:bodyPr/>
+        <a:lstStyle/>
+        <a:p>
+          <a:endParaRPr lang="en-US"/>
+        </a:p>
+      </dgm:t>
+    </dgm:pt>
+    <dgm:pt modelId="{460F8249-DE73-064F-8213-7A6E1B2FC729}" type="sibTrans" cxnId="{148D1DD9-2057-2F45-A846-DC31B8ABC4BF}">
+      <dgm:prSet/>
+      <dgm:spPr/>
+      <dgm:t>
+        <a:bodyPr/>
+        <a:lstStyle/>
+        <a:p>
+          <a:endParaRPr lang="en-US"/>
+        </a:p>
+      </dgm:t>
+    </dgm:pt>
+    <dgm:pt modelId="{362DB408-8472-4B4A-B127-ABB83571993B}">
+      <dgm:prSet/>
+      <dgm:spPr/>
+      <dgm:t>
+        <a:bodyPr/>
+        <a:lstStyle/>
+        <a:p>
+          <a:r>
+            <a:rPr lang="en-US" dirty="0"/>
+            <a:t>Input data into trained machine</a:t>
+          </a:r>
+        </a:p>
+      </dgm:t>
+    </dgm:pt>
+    <dgm:pt modelId="{CD47D4CF-36D7-C840-B5C5-0753D0A4DDEC}" type="parTrans" cxnId="{3B73FDDC-7A27-3D47-B3C4-CAB05FC99E31}">
+      <dgm:prSet/>
+      <dgm:spPr/>
+      <dgm:t>
+        <a:bodyPr/>
+        <a:lstStyle/>
+        <a:p>
+          <a:endParaRPr lang="en-US"/>
+        </a:p>
+      </dgm:t>
+    </dgm:pt>
+    <dgm:pt modelId="{6EC4F13E-A75B-2B43-8DF9-26184D935189}" type="sibTrans" cxnId="{3B73FDDC-7A27-3D47-B3C4-CAB05FC99E31}">
+      <dgm:prSet/>
+      <dgm:spPr/>
+      <dgm:t>
+        <a:bodyPr/>
+        <a:lstStyle/>
+        <a:p>
+          <a:endParaRPr lang="en-US"/>
+        </a:p>
+      </dgm:t>
+    </dgm:pt>
+    <dgm:pt modelId="{DE9EE621-3427-1148-899B-A4EA889000F9}">
+      <dgm:prSet phldrT="[Text]"/>
+      <dgm:spPr/>
+      <dgm:t>
+        <a:bodyPr/>
+        <a:lstStyle/>
+        <a:p>
+          <a:r>
+            <a:rPr lang="en-US" dirty="0"/>
+            <a:t>Parameters and defined and layers are created</a:t>
+          </a:r>
+        </a:p>
+      </dgm:t>
+    </dgm:pt>
+    <dgm:pt modelId="{A32DCAA9-085A-7141-B39D-EADD51EAA0C3}" type="parTrans" cxnId="{1E8FF2A1-43FC-8E46-B9CD-41BD63240565}">
+      <dgm:prSet/>
+      <dgm:spPr/>
+      <dgm:t>
+        <a:bodyPr/>
+        <a:lstStyle/>
+        <a:p>
+          <a:endParaRPr lang="en-US"/>
+        </a:p>
+      </dgm:t>
+    </dgm:pt>
+    <dgm:pt modelId="{5F947BF4-8531-F640-B858-05015A6A436F}" type="sibTrans" cxnId="{1E8FF2A1-43FC-8E46-B9CD-41BD63240565}">
+      <dgm:prSet/>
+      <dgm:spPr/>
+      <dgm:t>
+        <a:bodyPr/>
+        <a:lstStyle/>
+        <a:p>
+          <a:endParaRPr lang="en-US"/>
+        </a:p>
+      </dgm:t>
+    </dgm:pt>
+    <dgm:pt modelId="{E89D651E-0841-2247-ABB2-E9F9360B12F5}" type="pres">
+      <dgm:prSet presAssocID="{F02CD7F5-C30D-4348-952F-99C78D5D8111}" presName="Name0" presStyleCnt="0">
+        <dgm:presLayoutVars>
+          <dgm:dir/>
+          <dgm:animLvl val="lvl"/>
+          <dgm:resizeHandles val="exact"/>
+        </dgm:presLayoutVars>
+      </dgm:prSet>
+      <dgm:spPr/>
+    </dgm:pt>
+    <dgm:pt modelId="{7C1A34B0-2E9B-7E41-8D7B-04453FC036BA}" type="pres">
+      <dgm:prSet presAssocID="{0441D30E-88FE-E44D-936A-A0CDF8ECC3DC}" presName="vertFlow" presStyleCnt="0"/>
+      <dgm:spPr/>
+    </dgm:pt>
+    <dgm:pt modelId="{4305BC81-FEEF-484C-9C37-433BDB7131EC}" type="pres">
+      <dgm:prSet presAssocID="{0441D30E-88FE-E44D-936A-A0CDF8ECC3DC}" presName="header" presStyleLbl="node1" presStyleIdx="0" presStyleCnt="3"/>
+      <dgm:spPr/>
+    </dgm:pt>
+    <dgm:pt modelId="{20591D86-C70F-F149-A610-23B87E97BAA5}" type="pres">
+      <dgm:prSet presAssocID="{1FDEDE92-8FAE-604C-8295-E3AEB311F0B5}" presName="parTrans" presStyleLbl="sibTrans2D1" presStyleIdx="0" presStyleCnt="5"/>
+      <dgm:spPr/>
+    </dgm:pt>
+    <dgm:pt modelId="{65D52F7D-F10B-F34A-AAC7-E534397DCC63}" type="pres">
+      <dgm:prSet presAssocID="{EA93F404-5D9B-ED40-B0DC-34177D21A904}" presName="child" presStyleLbl="alignAccFollowNode1" presStyleIdx="0" presStyleCnt="5">
+        <dgm:presLayoutVars>
+          <dgm:chMax val="0"/>
+          <dgm:bulletEnabled val="1"/>
+        </dgm:presLayoutVars>
+      </dgm:prSet>
+      <dgm:spPr/>
+    </dgm:pt>
+    <dgm:pt modelId="{EF433083-2519-C049-A900-898AE206F0A6}" type="pres">
+      <dgm:prSet presAssocID="{54CDCE0E-CA9D-CD42-A552-2886D756B5F1}" presName="sibTrans" presStyleLbl="sibTrans2D1" presStyleIdx="1" presStyleCnt="5"/>
+      <dgm:spPr/>
+    </dgm:pt>
+    <dgm:pt modelId="{D632794D-64A0-604F-BF9D-A31003CED74C}" type="pres">
+      <dgm:prSet presAssocID="{DE9EE621-3427-1148-899B-A4EA889000F9}" presName="child" presStyleLbl="alignAccFollowNode1" presStyleIdx="1" presStyleCnt="5">
+        <dgm:presLayoutVars>
+          <dgm:chMax val="0"/>
+          <dgm:bulletEnabled val="1"/>
+        </dgm:presLayoutVars>
+      </dgm:prSet>
+      <dgm:spPr/>
+    </dgm:pt>
+    <dgm:pt modelId="{20EAE4B9-21A5-4C4A-84FE-C98217DE0600}" type="pres">
+      <dgm:prSet presAssocID="{0441D30E-88FE-E44D-936A-A0CDF8ECC3DC}" presName="hSp" presStyleCnt="0"/>
+      <dgm:spPr/>
+    </dgm:pt>
+    <dgm:pt modelId="{CEFC0AD0-5101-544A-BA6E-AA8451F5DFAB}" type="pres">
+      <dgm:prSet presAssocID="{B022E2A1-B6ED-A84D-BDC9-CD0F7BC40B82}" presName="vertFlow" presStyleCnt="0"/>
+      <dgm:spPr/>
+    </dgm:pt>
+    <dgm:pt modelId="{5FA1C02C-BB09-6045-9F9D-D24673280D79}" type="pres">
+      <dgm:prSet presAssocID="{B022E2A1-B6ED-A84D-BDC9-CD0F7BC40B82}" presName="header" presStyleLbl="node1" presStyleIdx="1" presStyleCnt="3"/>
+      <dgm:spPr/>
+    </dgm:pt>
+    <dgm:pt modelId="{EE847F69-3F79-1D41-A5BC-EB942E2B3AEB}" type="pres">
+      <dgm:prSet presAssocID="{818B386E-6654-A448-8B31-8937E34A2AEC}" presName="parTrans" presStyleLbl="sibTrans2D1" presStyleIdx="2" presStyleCnt="5"/>
+      <dgm:spPr/>
+    </dgm:pt>
+    <dgm:pt modelId="{2A576046-092B-F24F-8096-F6098DBA800C}" type="pres">
+      <dgm:prSet presAssocID="{7D31FDE2-1347-6749-86B6-69FDEDAE6D66}" presName="child" presStyleLbl="alignAccFollowNode1" presStyleIdx="2" presStyleCnt="5">
+        <dgm:presLayoutVars>
+          <dgm:chMax val="0"/>
+          <dgm:bulletEnabled val="1"/>
+        </dgm:presLayoutVars>
+      </dgm:prSet>
+      <dgm:spPr/>
+    </dgm:pt>
+    <dgm:pt modelId="{A6662200-42EF-DA43-9B50-5D0A2F391472}" type="pres">
+      <dgm:prSet presAssocID="{194AA046-64A7-134E-B14E-7FB3D1929F5F}" presName="sibTrans" presStyleLbl="sibTrans2D1" presStyleIdx="3" presStyleCnt="5"/>
+      <dgm:spPr/>
+    </dgm:pt>
+    <dgm:pt modelId="{94BB723E-C97E-234D-8BA2-BF0221226F87}" type="pres">
+      <dgm:prSet presAssocID="{5AAD1B36-8E8B-BE4E-AED4-089A27F935D7}" presName="child" presStyleLbl="alignAccFollowNode1" presStyleIdx="3" presStyleCnt="5" custScaleY="183901">
+        <dgm:presLayoutVars>
+          <dgm:chMax val="0"/>
+          <dgm:bulletEnabled val="1"/>
+        </dgm:presLayoutVars>
+      </dgm:prSet>
+      <dgm:spPr/>
+    </dgm:pt>
+    <dgm:pt modelId="{B38FDBA2-E852-9549-AFC2-365087D772C5}" type="pres">
+      <dgm:prSet presAssocID="{B022E2A1-B6ED-A84D-BDC9-CD0F7BC40B82}" presName="hSp" presStyleCnt="0"/>
+      <dgm:spPr/>
+    </dgm:pt>
+    <dgm:pt modelId="{D999E161-9E0D-2E43-BACB-CE62052EFF16}" type="pres">
+      <dgm:prSet presAssocID="{362DB408-8472-4B4A-B127-ABB83571993B}" presName="vertFlow" presStyleCnt="0"/>
+      <dgm:spPr/>
+    </dgm:pt>
+    <dgm:pt modelId="{64783DCC-A485-8B41-ADEE-D64E75151FED}" type="pres">
+      <dgm:prSet presAssocID="{362DB408-8472-4B4A-B127-ABB83571993B}" presName="header" presStyleLbl="node1" presStyleIdx="2" presStyleCnt="3"/>
+      <dgm:spPr/>
+    </dgm:pt>
+    <dgm:pt modelId="{168C08FD-6B5F-E147-88E3-E61936A1EE28}" type="pres">
+      <dgm:prSet presAssocID="{54945AA8-9D5A-AD4E-96D3-91C42005AB4C}" presName="parTrans" presStyleLbl="sibTrans2D1" presStyleIdx="4" presStyleCnt="5"/>
+      <dgm:spPr/>
+    </dgm:pt>
+    <dgm:pt modelId="{5441D7CB-A22A-7940-85C6-A243D65561BA}" type="pres">
+      <dgm:prSet presAssocID="{CC3FD866-3CDB-284C-A329-551BCE698B8D}" presName="child" presStyleLbl="alignAccFollowNode1" presStyleIdx="4" presStyleCnt="5">
+        <dgm:presLayoutVars>
+          <dgm:chMax val="0"/>
+          <dgm:bulletEnabled val="1"/>
+        </dgm:presLayoutVars>
+      </dgm:prSet>
+      <dgm:spPr/>
+    </dgm:pt>
+  </dgm:ptLst>
+  <dgm:cxnLst>
+    <dgm:cxn modelId="{C7914B00-EC9B-5043-B4C6-0C925646DA16}" srcId="{0441D30E-88FE-E44D-936A-A0CDF8ECC3DC}" destId="{EA93F404-5D9B-ED40-B0DC-34177D21A904}" srcOrd="0" destOrd="0" parTransId="{1FDEDE92-8FAE-604C-8295-E3AEB311F0B5}" sibTransId="{54CDCE0E-CA9D-CD42-A552-2886D756B5F1}"/>
+    <dgm:cxn modelId="{A2AEAE00-CAF5-D045-84BE-E91EAACC1552}" type="presOf" srcId="{7D31FDE2-1347-6749-86B6-69FDEDAE6D66}" destId="{2A576046-092B-F24F-8096-F6098DBA800C}" srcOrd="0" destOrd="0" presId="urn:microsoft.com/office/officeart/2005/8/layout/lProcess1"/>
+    <dgm:cxn modelId="{2CB64E01-967C-0B4A-936E-3B29748E7082}" srcId="{362DB408-8472-4B4A-B127-ABB83571993B}" destId="{CC3FD866-3CDB-284C-A329-551BCE698B8D}" srcOrd="0" destOrd="0" parTransId="{54945AA8-9D5A-AD4E-96D3-91C42005AB4C}" sibTransId="{2F12E7C4-87F0-7047-B656-CF55C8A47614}"/>
+    <dgm:cxn modelId="{C5FD6E07-3902-D04F-8B88-CD86498D910E}" type="presOf" srcId="{362DB408-8472-4B4A-B127-ABB83571993B}" destId="{64783DCC-A485-8B41-ADEE-D64E75151FED}" srcOrd="0" destOrd="0" presId="urn:microsoft.com/office/officeart/2005/8/layout/lProcess1"/>
+    <dgm:cxn modelId="{F5313824-8665-1A4D-9BCC-2273CB6B99A8}" type="presOf" srcId="{0441D30E-88FE-E44D-936A-A0CDF8ECC3DC}" destId="{4305BC81-FEEF-484C-9C37-433BDB7131EC}" srcOrd="0" destOrd="0" presId="urn:microsoft.com/office/officeart/2005/8/layout/lProcess1"/>
+    <dgm:cxn modelId="{5AF99638-A627-984E-A60E-A9CF44B32BE4}" type="presOf" srcId="{818B386E-6654-A448-8B31-8937E34A2AEC}" destId="{EE847F69-3F79-1D41-A5BC-EB942E2B3AEB}" srcOrd="0" destOrd="0" presId="urn:microsoft.com/office/officeart/2005/8/layout/lProcess1"/>
+    <dgm:cxn modelId="{41E0B742-B778-C746-83FC-6DCBDEC88D67}" srcId="{F02CD7F5-C30D-4348-952F-99C78D5D8111}" destId="{0441D30E-88FE-E44D-936A-A0CDF8ECC3DC}" srcOrd="0" destOrd="0" parTransId="{BCB4561F-7401-CC4E-88C6-CB619152A947}" sibTransId="{A4E1B776-7474-6543-BF0B-B7E7E79F8F40}"/>
+    <dgm:cxn modelId="{1AC78B44-1863-7046-B315-A3ABFA053E5C}" srcId="{B022E2A1-B6ED-A84D-BDC9-CD0F7BC40B82}" destId="{7D31FDE2-1347-6749-86B6-69FDEDAE6D66}" srcOrd="0" destOrd="0" parTransId="{818B386E-6654-A448-8B31-8937E34A2AEC}" sibTransId="{194AA046-64A7-134E-B14E-7FB3D1929F5F}"/>
+    <dgm:cxn modelId="{BCA57860-BFFC-054B-8FEA-B20D14AA8902}" type="presOf" srcId="{CC3FD866-3CDB-284C-A329-551BCE698B8D}" destId="{5441D7CB-A22A-7940-85C6-A243D65561BA}" srcOrd="0" destOrd="0" presId="urn:microsoft.com/office/officeart/2005/8/layout/lProcess1"/>
+    <dgm:cxn modelId="{27B03967-CA92-3A4E-A1BB-748782BB1363}" type="presOf" srcId="{1FDEDE92-8FAE-604C-8295-E3AEB311F0B5}" destId="{20591D86-C70F-F149-A610-23B87E97BAA5}" srcOrd="0" destOrd="0" presId="urn:microsoft.com/office/officeart/2005/8/layout/lProcess1"/>
+    <dgm:cxn modelId="{090B4C7B-E0CE-2C45-8253-96177562876B}" type="presOf" srcId="{5AAD1B36-8E8B-BE4E-AED4-089A27F935D7}" destId="{94BB723E-C97E-234D-8BA2-BF0221226F87}" srcOrd="0" destOrd="0" presId="urn:microsoft.com/office/officeart/2005/8/layout/lProcess1"/>
+    <dgm:cxn modelId="{7DCDBD7D-0976-DF4D-B509-1842F9025832}" type="presOf" srcId="{54CDCE0E-CA9D-CD42-A552-2886D756B5F1}" destId="{EF433083-2519-C049-A900-898AE206F0A6}" srcOrd="0" destOrd="0" presId="urn:microsoft.com/office/officeart/2005/8/layout/lProcess1"/>
+    <dgm:cxn modelId="{6A55D97D-69C7-7044-83E4-C99D51966EF7}" type="presOf" srcId="{DE9EE621-3427-1148-899B-A4EA889000F9}" destId="{D632794D-64A0-604F-BF9D-A31003CED74C}" srcOrd="0" destOrd="0" presId="urn:microsoft.com/office/officeart/2005/8/layout/lProcess1"/>
+    <dgm:cxn modelId="{2BE3AB9B-20D9-714B-A492-172541CF6707}" type="presOf" srcId="{B022E2A1-B6ED-A84D-BDC9-CD0F7BC40B82}" destId="{5FA1C02C-BB09-6045-9F9D-D24673280D79}" srcOrd="0" destOrd="0" presId="urn:microsoft.com/office/officeart/2005/8/layout/lProcess1"/>
+    <dgm:cxn modelId="{1E8FF2A1-43FC-8E46-B9CD-41BD63240565}" srcId="{0441D30E-88FE-E44D-936A-A0CDF8ECC3DC}" destId="{DE9EE621-3427-1148-899B-A4EA889000F9}" srcOrd="1" destOrd="0" parTransId="{A32DCAA9-085A-7141-B39D-EADD51EAA0C3}" sibTransId="{5F947BF4-8531-F640-B858-05015A6A436F}"/>
+    <dgm:cxn modelId="{58F63DBA-FAE7-4F4F-8B09-61B6F37DE42E}" type="presOf" srcId="{194AA046-64A7-134E-B14E-7FB3D1929F5F}" destId="{A6662200-42EF-DA43-9B50-5D0A2F391472}" srcOrd="0" destOrd="0" presId="urn:microsoft.com/office/officeart/2005/8/layout/lProcess1"/>
+    <dgm:cxn modelId="{6EDD05BE-1FC5-B642-A17E-36E21CD691FC}" type="presOf" srcId="{54945AA8-9D5A-AD4E-96D3-91C42005AB4C}" destId="{168C08FD-6B5F-E147-88E3-E61936A1EE28}" srcOrd="0" destOrd="0" presId="urn:microsoft.com/office/officeart/2005/8/layout/lProcess1"/>
+    <dgm:cxn modelId="{58D767BE-A35B-1C49-B675-8D46BA312CA0}" type="presOf" srcId="{F02CD7F5-C30D-4348-952F-99C78D5D8111}" destId="{E89D651E-0841-2247-ABB2-E9F9360B12F5}" srcOrd="0" destOrd="0" presId="urn:microsoft.com/office/officeart/2005/8/layout/lProcess1"/>
+    <dgm:cxn modelId="{88316DC2-4472-3643-AF50-61A500471BBB}" srcId="{F02CD7F5-C30D-4348-952F-99C78D5D8111}" destId="{B022E2A1-B6ED-A84D-BDC9-CD0F7BC40B82}" srcOrd="1" destOrd="0" parTransId="{BA315434-8D65-8446-B37A-3B71B9B8EBD4}" sibTransId="{3D1DC885-D41B-BF42-AB1D-F835D19C6A99}"/>
+    <dgm:cxn modelId="{65EA16CA-B162-FD46-BD59-02CFA573B760}" type="presOf" srcId="{EA93F404-5D9B-ED40-B0DC-34177D21A904}" destId="{65D52F7D-F10B-F34A-AAC7-E534397DCC63}" srcOrd="0" destOrd="0" presId="urn:microsoft.com/office/officeart/2005/8/layout/lProcess1"/>
+    <dgm:cxn modelId="{148D1DD9-2057-2F45-A846-DC31B8ABC4BF}" srcId="{B022E2A1-B6ED-A84D-BDC9-CD0F7BC40B82}" destId="{5AAD1B36-8E8B-BE4E-AED4-089A27F935D7}" srcOrd="1" destOrd="0" parTransId="{D39DF83F-90AA-9A4C-891D-D591ABC1D7EA}" sibTransId="{460F8249-DE73-064F-8213-7A6E1B2FC729}"/>
+    <dgm:cxn modelId="{3B73FDDC-7A27-3D47-B3C4-CAB05FC99E31}" srcId="{F02CD7F5-C30D-4348-952F-99C78D5D8111}" destId="{362DB408-8472-4B4A-B127-ABB83571993B}" srcOrd="2" destOrd="0" parTransId="{CD47D4CF-36D7-C840-B5C5-0753D0A4DDEC}" sibTransId="{6EC4F13E-A75B-2B43-8DF9-26184D935189}"/>
+    <dgm:cxn modelId="{B9BADEAC-8FAF-354F-93D4-B1A8D90C29F9}" type="presParOf" srcId="{E89D651E-0841-2247-ABB2-E9F9360B12F5}" destId="{7C1A34B0-2E9B-7E41-8D7B-04453FC036BA}" srcOrd="0" destOrd="0" presId="urn:microsoft.com/office/officeart/2005/8/layout/lProcess1"/>
+    <dgm:cxn modelId="{5C1EA200-821F-B543-85AA-52A3FE4642C0}" type="presParOf" srcId="{7C1A34B0-2E9B-7E41-8D7B-04453FC036BA}" destId="{4305BC81-FEEF-484C-9C37-433BDB7131EC}" srcOrd="0" destOrd="0" presId="urn:microsoft.com/office/officeart/2005/8/layout/lProcess1"/>
+    <dgm:cxn modelId="{8C1997E9-441B-CF46-8F42-942DF51E2E59}" type="presParOf" srcId="{7C1A34B0-2E9B-7E41-8D7B-04453FC036BA}" destId="{20591D86-C70F-F149-A610-23B87E97BAA5}" srcOrd="1" destOrd="0" presId="urn:microsoft.com/office/officeart/2005/8/layout/lProcess1"/>
+    <dgm:cxn modelId="{37BE8BE3-B395-424D-A78F-BF09C2053ADF}" type="presParOf" srcId="{7C1A34B0-2E9B-7E41-8D7B-04453FC036BA}" destId="{65D52F7D-F10B-F34A-AAC7-E534397DCC63}" srcOrd="2" destOrd="0" presId="urn:microsoft.com/office/officeart/2005/8/layout/lProcess1"/>
+    <dgm:cxn modelId="{47AF292B-1B8A-9949-834C-1C100FD0E43F}" type="presParOf" srcId="{7C1A34B0-2E9B-7E41-8D7B-04453FC036BA}" destId="{EF433083-2519-C049-A900-898AE206F0A6}" srcOrd="3" destOrd="0" presId="urn:microsoft.com/office/officeart/2005/8/layout/lProcess1"/>
+    <dgm:cxn modelId="{A3AC7918-4B95-AF44-8B57-6550761A7232}" type="presParOf" srcId="{7C1A34B0-2E9B-7E41-8D7B-04453FC036BA}" destId="{D632794D-64A0-604F-BF9D-A31003CED74C}" srcOrd="4" destOrd="0" presId="urn:microsoft.com/office/officeart/2005/8/layout/lProcess1"/>
+    <dgm:cxn modelId="{D75BD002-6B65-974C-AF75-2C313473F524}" type="presParOf" srcId="{E89D651E-0841-2247-ABB2-E9F9360B12F5}" destId="{20EAE4B9-21A5-4C4A-84FE-C98217DE0600}" srcOrd="1" destOrd="0" presId="urn:microsoft.com/office/officeart/2005/8/layout/lProcess1"/>
+    <dgm:cxn modelId="{E3D15E71-8E84-BE48-84A1-B48BE096E1DB}" type="presParOf" srcId="{E89D651E-0841-2247-ABB2-E9F9360B12F5}" destId="{CEFC0AD0-5101-544A-BA6E-AA8451F5DFAB}" srcOrd="2" destOrd="0" presId="urn:microsoft.com/office/officeart/2005/8/layout/lProcess1"/>
+    <dgm:cxn modelId="{6AC82523-86A5-C648-BE34-DF855E5A1380}" type="presParOf" srcId="{CEFC0AD0-5101-544A-BA6E-AA8451F5DFAB}" destId="{5FA1C02C-BB09-6045-9F9D-D24673280D79}" srcOrd="0" destOrd="0" presId="urn:microsoft.com/office/officeart/2005/8/layout/lProcess1"/>
+    <dgm:cxn modelId="{A87B7A40-AD52-F740-894F-3632E476D13F}" type="presParOf" srcId="{CEFC0AD0-5101-544A-BA6E-AA8451F5DFAB}" destId="{EE847F69-3F79-1D41-A5BC-EB942E2B3AEB}" srcOrd="1" destOrd="0" presId="urn:microsoft.com/office/officeart/2005/8/layout/lProcess1"/>
+    <dgm:cxn modelId="{6B240172-71CB-E84A-AB8A-8B002FD92C79}" type="presParOf" srcId="{CEFC0AD0-5101-544A-BA6E-AA8451F5DFAB}" destId="{2A576046-092B-F24F-8096-F6098DBA800C}" srcOrd="2" destOrd="0" presId="urn:microsoft.com/office/officeart/2005/8/layout/lProcess1"/>
+    <dgm:cxn modelId="{69B1AD7B-CD95-9D44-934C-6CE80C96AE2D}" type="presParOf" srcId="{CEFC0AD0-5101-544A-BA6E-AA8451F5DFAB}" destId="{A6662200-42EF-DA43-9B50-5D0A2F391472}" srcOrd="3" destOrd="0" presId="urn:microsoft.com/office/officeart/2005/8/layout/lProcess1"/>
+    <dgm:cxn modelId="{3A46F480-2B1C-0241-A39A-1FDF20558C9B}" type="presParOf" srcId="{CEFC0AD0-5101-544A-BA6E-AA8451F5DFAB}" destId="{94BB723E-C97E-234D-8BA2-BF0221226F87}" srcOrd="4" destOrd="0" presId="urn:microsoft.com/office/officeart/2005/8/layout/lProcess1"/>
+    <dgm:cxn modelId="{C54A580B-4511-C74F-B445-4502ADEBF3D7}" type="presParOf" srcId="{E89D651E-0841-2247-ABB2-E9F9360B12F5}" destId="{B38FDBA2-E852-9549-AFC2-365087D772C5}" srcOrd="3" destOrd="0" presId="urn:microsoft.com/office/officeart/2005/8/layout/lProcess1"/>
+    <dgm:cxn modelId="{5655649B-CE84-5040-89F2-6658542B9B69}" type="presParOf" srcId="{E89D651E-0841-2247-ABB2-E9F9360B12F5}" destId="{D999E161-9E0D-2E43-BACB-CE62052EFF16}" srcOrd="4" destOrd="0" presId="urn:microsoft.com/office/officeart/2005/8/layout/lProcess1"/>
+    <dgm:cxn modelId="{3201E225-72E3-3D46-9AF6-31B7AFE366B8}" type="presParOf" srcId="{D999E161-9E0D-2E43-BACB-CE62052EFF16}" destId="{64783DCC-A485-8B41-ADEE-D64E75151FED}" srcOrd="0" destOrd="0" presId="urn:microsoft.com/office/officeart/2005/8/layout/lProcess1"/>
+    <dgm:cxn modelId="{D21B76E8-6430-B84D-A4B3-684B62E99449}" type="presParOf" srcId="{D999E161-9E0D-2E43-BACB-CE62052EFF16}" destId="{168C08FD-6B5F-E147-88E3-E61936A1EE28}" srcOrd="1" destOrd="0" presId="urn:microsoft.com/office/officeart/2005/8/layout/lProcess1"/>
+    <dgm:cxn modelId="{C640EDB7-D351-C840-9814-EDE975A9500C}" type="presParOf" srcId="{D999E161-9E0D-2E43-BACB-CE62052EFF16}" destId="{5441D7CB-A22A-7940-85C6-A243D65561BA}" srcOrd="2" destOrd="0" presId="urn:microsoft.com/office/officeart/2005/8/layout/lProcess1"/>
+  </dgm:cxnLst>
+  <dgm:bg/>
+  <dgm:whole/>
+  <dgm:extLst>
+    <a:ext uri="http://schemas.microsoft.com/office/drawing/2008/diagram">
+      <dsp:dataModelExt xmlns:dsp="http://schemas.microsoft.com/office/drawing/2008/diagram" relId="rId6" minVer="http://schemas.openxmlformats.org/drawingml/2006/diagram"/>
+    </a:ext>
+  </dgm:extLst>
+</dgm:dataModel>
+</file>
+
+<file path=ppt/diagrams/drawing1.xml><?xml version="1.0" encoding="utf-8"?>
+<dsp:drawing xmlns:dgm="http://schemas.openxmlformats.org/drawingml/2006/diagram" xmlns:dsp="http://schemas.microsoft.com/office/drawing/2008/diagram" xmlns:a="http://schemas.openxmlformats.org/drawingml/2006/main">
+  <dsp:spTree>
+    <dsp:nvGrpSpPr>
+      <dsp:cNvPr id="0" name=""/>
+      <dsp:cNvGrpSpPr/>
+    </dsp:nvGrpSpPr>
+    <dsp:grpSpPr/>
+    <dsp:sp modelId="{4305BC81-FEEF-484C-9C37-433BDB7131EC}">
+      <dsp:nvSpPr>
+        <dsp:cNvPr id="0" name=""/>
+        <dsp:cNvSpPr/>
+      </dsp:nvSpPr>
+      <dsp:spPr>
+        <a:xfrm>
+          <a:off x="4325" y="1018573"/>
+          <a:ext cx="2638320" cy="659580"/>
+        </a:xfrm>
+        <a:prstGeom prst="roundRect">
+          <a:avLst>
+            <a:gd name="adj" fmla="val 10000"/>
+          </a:avLst>
+        </a:prstGeom>
+        <a:solidFill>
+          <a:schemeClr val="accent1">
+            <a:hueOff val="0"/>
+            <a:satOff val="0"/>
+            <a:lumOff val="0"/>
+            <a:alphaOff val="0"/>
+          </a:schemeClr>
+        </a:solidFill>
+        <a:ln w="15875" cap="flat" cmpd="sng" algn="ctr">
+          <a:solidFill>
+            <a:schemeClr val="lt1">
+              <a:hueOff val="0"/>
+              <a:satOff val="0"/>
+              <a:lumOff val="0"/>
+              <a:alphaOff val="0"/>
+            </a:schemeClr>
+          </a:solidFill>
+          <a:prstDash val="solid"/>
+        </a:ln>
+        <a:effectLst/>
+      </dsp:spPr>
+      <dsp:style>
+        <a:lnRef idx="2">
+          <a:scrgbClr r="0" g="0" b="0"/>
+        </a:lnRef>
+        <a:fillRef idx="1">
+          <a:scrgbClr r="0" g="0" b="0"/>
+        </a:fillRef>
+        <a:effectRef idx="0">
+          <a:scrgbClr r="0" g="0" b="0"/>
+        </a:effectRef>
+        <a:fontRef idx="minor">
+          <a:schemeClr val="lt1"/>
+        </a:fontRef>
+      </dsp:style>
+      <dsp:txBody>
+        <a:bodyPr spcFirstLastPara="0" vert="horz" wrap="square" lIns="27940" tIns="27940" rIns="27940" bIns="27940" numCol="1" spcCol="1270" anchor="ctr" anchorCtr="0">
+          <a:noAutofit/>
+        </a:bodyPr>
+        <a:lstStyle/>
+        <a:p>
+          <a:pPr marL="0" lvl="0" indent="0" algn="ctr" defTabSz="977900">
+            <a:lnSpc>
+              <a:spcPct val="90000"/>
+            </a:lnSpc>
+            <a:spcBef>
+              <a:spcPct val="0"/>
+            </a:spcBef>
+            <a:spcAft>
+              <a:spcPct val="35000"/>
+            </a:spcAft>
+            <a:buNone/>
+          </a:pPr>
+          <a:r>
+            <a:rPr lang="en-US" sz="2200" kern="1200" dirty="0"/>
+            <a:t>Input gun laws as binary matrix</a:t>
+          </a:r>
+        </a:p>
+      </dsp:txBody>
+      <dsp:txXfrm>
+        <a:off x="23643" y="1037891"/>
+        <a:ext cx="2599684" cy="620944"/>
+      </dsp:txXfrm>
+    </dsp:sp>
+    <dsp:sp modelId="{20591D86-C70F-F149-A610-23B87E97BAA5}">
+      <dsp:nvSpPr>
+        <dsp:cNvPr id="0" name=""/>
+        <dsp:cNvSpPr/>
+      </dsp:nvSpPr>
+      <dsp:spPr>
+        <a:xfrm rot="5400000">
+          <a:off x="1265772" y="1735866"/>
+          <a:ext cx="115426" cy="115426"/>
+        </a:xfrm>
+        <a:prstGeom prst="rightArrow">
+          <a:avLst>
+            <a:gd name="adj1" fmla="val 66700"/>
+            <a:gd name="adj2" fmla="val 50000"/>
+          </a:avLst>
+        </a:prstGeom>
+        <a:solidFill>
+          <a:schemeClr val="accent1">
+            <a:tint val="60000"/>
+            <a:hueOff val="0"/>
+            <a:satOff val="0"/>
+            <a:lumOff val="0"/>
+            <a:alphaOff val="0"/>
+          </a:schemeClr>
+        </a:solidFill>
+        <a:ln>
+          <a:noFill/>
+        </a:ln>
+        <a:effectLst/>
+      </dsp:spPr>
+      <dsp:style>
+        <a:lnRef idx="0">
+          <a:scrgbClr r="0" g="0" b="0"/>
+        </a:lnRef>
+        <a:fillRef idx="1">
+          <a:scrgbClr r="0" g="0" b="0"/>
+        </a:fillRef>
+        <a:effectRef idx="0">
+          <a:scrgbClr r="0" g="0" b="0"/>
+        </a:effectRef>
+        <a:fontRef idx="minor">
+          <a:schemeClr val="lt1"/>
+        </a:fontRef>
+      </dsp:style>
+    </dsp:sp>
+    <dsp:sp modelId="{65D52F7D-F10B-F34A-AAC7-E534397DCC63}">
+      <dsp:nvSpPr>
+        <dsp:cNvPr id="0" name=""/>
+        <dsp:cNvSpPr/>
+      </dsp:nvSpPr>
+      <dsp:spPr>
+        <a:xfrm>
+          <a:off x="4325" y="1909006"/>
+          <a:ext cx="2638320" cy="659580"/>
+        </a:xfrm>
+        <a:prstGeom prst="roundRect">
+          <a:avLst>
+            <a:gd name="adj" fmla="val 10000"/>
+          </a:avLst>
+        </a:prstGeom>
+        <a:solidFill>
+          <a:schemeClr val="accent1">
+            <a:alpha val="90000"/>
+            <a:tint val="40000"/>
+            <a:hueOff val="0"/>
+            <a:satOff val="0"/>
+            <a:lumOff val="0"/>
+            <a:alphaOff val="0"/>
+          </a:schemeClr>
+        </a:solidFill>
+        <a:ln w="15875" cap="flat" cmpd="sng" algn="ctr">
+          <a:solidFill>
+            <a:schemeClr val="accent1">
+              <a:alpha val="90000"/>
+              <a:tint val="40000"/>
+              <a:hueOff val="0"/>
+              <a:satOff val="0"/>
+              <a:lumOff val="0"/>
+              <a:alphaOff val="0"/>
+            </a:schemeClr>
+          </a:solidFill>
+          <a:prstDash val="solid"/>
+        </a:ln>
+        <a:effectLst/>
+      </dsp:spPr>
+      <dsp:style>
+        <a:lnRef idx="2">
+          <a:scrgbClr r="0" g="0" b="0"/>
+        </a:lnRef>
+        <a:fillRef idx="1">
+          <a:scrgbClr r="0" g="0" b="0"/>
+        </a:fillRef>
+        <a:effectRef idx="0">
+          <a:scrgbClr r="0" g="0" b="0"/>
+        </a:effectRef>
+        <a:fontRef idx="minor"/>
+      </dsp:style>
+      <dsp:txBody>
+        <a:bodyPr spcFirstLastPara="0" vert="horz" wrap="square" lIns="25400" tIns="25400" rIns="25400" bIns="25400" numCol="1" spcCol="1270" anchor="ctr" anchorCtr="0">
+          <a:noAutofit/>
+        </a:bodyPr>
+        <a:lstStyle/>
+        <a:p>
+          <a:pPr marL="0" lvl="0" indent="0" algn="ctr" defTabSz="889000">
+            <a:lnSpc>
+              <a:spcPct val="90000"/>
+            </a:lnSpc>
+            <a:spcBef>
+              <a:spcPct val="0"/>
+            </a:spcBef>
+            <a:spcAft>
+              <a:spcPct val="35000"/>
+            </a:spcAft>
+            <a:buNone/>
+          </a:pPr>
+          <a:r>
+            <a:rPr lang="en-US" sz="2000" kern="1200" dirty="0"/>
+            <a:t>Input gun violence statistics by category</a:t>
+          </a:r>
+        </a:p>
+      </dsp:txBody>
+      <dsp:txXfrm>
+        <a:off x="23643" y="1928324"/>
+        <a:ext cx="2599684" cy="620944"/>
+      </dsp:txXfrm>
+    </dsp:sp>
+    <dsp:sp modelId="{EF433083-2519-C049-A900-898AE206F0A6}">
+      <dsp:nvSpPr>
+        <dsp:cNvPr id="0" name=""/>
+        <dsp:cNvSpPr/>
+      </dsp:nvSpPr>
+      <dsp:spPr>
+        <a:xfrm rot="5400000">
+          <a:off x="1265772" y="2626300"/>
+          <a:ext cx="115426" cy="115426"/>
+        </a:xfrm>
+        <a:prstGeom prst="rightArrow">
+          <a:avLst>
+            <a:gd name="adj1" fmla="val 66700"/>
+            <a:gd name="adj2" fmla="val 50000"/>
+          </a:avLst>
+        </a:prstGeom>
+        <a:solidFill>
+          <a:schemeClr val="accent1">
+            <a:tint val="60000"/>
+            <a:hueOff val="0"/>
+            <a:satOff val="0"/>
+            <a:lumOff val="0"/>
+            <a:alphaOff val="0"/>
+          </a:schemeClr>
+        </a:solidFill>
+        <a:ln>
+          <a:noFill/>
+        </a:ln>
+        <a:effectLst/>
+      </dsp:spPr>
+      <dsp:style>
+        <a:lnRef idx="0">
+          <a:scrgbClr r="0" g="0" b="0"/>
+        </a:lnRef>
+        <a:fillRef idx="1">
+          <a:scrgbClr r="0" g="0" b="0"/>
+        </a:fillRef>
+        <a:effectRef idx="0">
+          <a:scrgbClr r="0" g="0" b="0"/>
+        </a:effectRef>
+        <a:fontRef idx="minor">
+          <a:schemeClr val="lt1"/>
+        </a:fontRef>
+      </dsp:style>
+    </dsp:sp>
+    <dsp:sp modelId="{D632794D-64A0-604F-BF9D-A31003CED74C}">
+      <dsp:nvSpPr>
+        <dsp:cNvPr id="0" name=""/>
+        <dsp:cNvSpPr/>
+      </dsp:nvSpPr>
+      <dsp:spPr>
+        <a:xfrm>
+          <a:off x="4325" y="2799439"/>
+          <a:ext cx="2638320" cy="659580"/>
+        </a:xfrm>
+        <a:prstGeom prst="roundRect">
+          <a:avLst>
+            <a:gd name="adj" fmla="val 10000"/>
+          </a:avLst>
+        </a:prstGeom>
+        <a:solidFill>
+          <a:schemeClr val="accent1">
+            <a:alpha val="90000"/>
+            <a:tint val="40000"/>
+            <a:hueOff val="0"/>
+            <a:satOff val="0"/>
+            <a:lumOff val="0"/>
+            <a:alphaOff val="0"/>
+          </a:schemeClr>
+        </a:solidFill>
+        <a:ln w="15875" cap="flat" cmpd="sng" algn="ctr">
+          <a:solidFill>
+            <a:schemeClr val="accent1">
+              <a:alpha val="90000"/>
+              <a:tint val="40000"/>
+              <a:hueOff val="0"/>
+              <a:satOff val="0"/>
+              <a:lumOff val="0"/>
+              <a:alphaOff val="0"/>
+            </a:schemeClr>
+          </a:solidFill>
+          <a:prstDash val="solid"/>
+        </a:ln>
+        <a:effectLst/>
+      </dsp:spPr>
+      <dsp:style>
+        <a:lnRef idx="2">
+          <a:scrgbClr r="0" g="0" b="0"/>
+        </a:lnRef>
+        <a:fillRef idx="1">
+          <a:scrgbClr r="0" g="0" b="0"/>
+        </a:fillRef>
+        <a:effectRef idx="0">
+          <a:scrgbClr r="0" g="0" b="0"/>
+        </a:effectRef>
+        <a:fontRef idx="minor"/>
+      </dsp:style>
+      <dsp:txBody>
+        <a:bodyPr spcFirstLastPara="0" vert="horz" wrap="square" lIns="25400" tIns="25400" rIns="25400" bIns="25400" numCol="1" spcCol="1270" anchor="ctr" anchorCtr="0">
+          <a:noAutofit/>
+        </a:bodyPr>
+        <a:lstStyle/>
+        <a:p>
+          <a:pPr marL="0" lvl="0" indent="0" algn="ctr" defTabSz="889000">
+            <a:lnSpc>
+              <a:spcPct val="90000"/>
+            </a:lnSpc>
+            <a:spcBef>
+              <a:spcPct val="0"/>
+            </a:spcBef>
+            <a:spcAft>
+              <a:spcPct val="35000"/>
+            </a:spcAft>
+            <a:buNone/>
+          </a:pPr>
+          <a:r>
+            <a:rPr lang="en-US" sz="2000" kern="1200" dirty="0"/>
+            <a:t>Parameters and defined and layers are created</a:t>
+          </a:r>
+        </a:p>
+      </dsp:txBody>
+      <dsp:txXfrm>
+        <a:off x="23643" y="2818757"/>
+        <a:ext cx="2599684" cy="620944"/>
+      </dsp:txXfrm>
+    </dsp:sp>
+    <dsp:sp modelId="{5FA1C02C-BB09-6045-9F9D-D24673280D79}">
+      <dsp:nvSpPr>
+        <dsp:cNvPr id="0" name=""/>
+        <dsp:cNvSpPr/>
+      </dsp:nvSpPr>
+      <dsp:spPr>
+        <a:xfrm>
+          <a:off x="3012011" y="1018573"/>
+          <a:ext cx="2638320" cy="659580"/>
+        </a:xfrm>
+        <a:prstGeom prst="roundRect">
+          <a:avLst>
+            <a:gd name="adj" fmla="val 10000"/>
+          </a:avLst>
+        </a:prstGeom>
+        <a:solidFill>
+          <a:schemeClr val="accent1">
+            <a:hueOff val="0"/>
+            <a:satOff val="0"/>
+            <a:lumOff val="0"/>
+            <a:alphaOff val="0"/>
+          </a:schemeClr>
+        </a:solidFill>
+        <a:ln w="15875" cap="flat" cmpd="sng" algn="ctr">
+          <a:solidFill>
+            <a:schemeClr val="lt1">
+              <a:hueOff val="0"/>
+              <a:satOff val="0"/>
+              <a:lumOff val="0"/>
+              <a:alphaOff val="0"/>
+            </a:schemeClr>
+          </a:solidFill>
+          <a:prstDash val="solid"/>
+        </a:ln>
+        <a:effectLst/>
+      </dsp:spPr>
+      <dsp:style>
+        <a:lnRef idx="2">
+          <a:scrgbClr r="0" g="0" b="0"/>
+        </a:lnRef>
+        <a:fillRef idx="1">
+          <a:scrgbClr r="0" g="0" b="0"/>
+        </a:fillRef>
+        <a:effectRef idx="0">
+          <a:scrgbClr r="0" g="0" b="0"/>
+        </a:effectRef>
+        <a:fontRef idx="minor">
+          <a:schemeClr val="lt1"/>
+        </a:fontRef>
+      </dsp:style>
+      <dsp:txBody>
+        <a:bodyPr spcFirstLastPara="0" vert="horz" wrap="square" lIns="27940" tIns="27940" rIns="27940" bIns="27940" numCol="1" spcCol="1270" anchor="ctr" anchorCtr="0">
+          <a:noAutofit/>
+        </a:bodyPr>
+        <a:lstStyle/>
+        <a:p>
+          <a:pPr marL="0" lvl="0" indent="0" algn="ctr" defTabSz="977900">
+            <a:lnSpc>
+              <a:spcPct val="90000"/>
+            </a:lnSpc>
+            <a:spcBef>
+              <a:spcPct val="0"/>
+            </a:spcBef>
+            <a:spcAft>
+              <a:spcPct val="35000"/>
+            </a:spcAft>
+            <a:buNone/>
+          </a:pPr>
+          <a:r>
+            <a:rPr lang="en-US" sz="2200" kern="1200" dirty="0"/>
+            <a:t>Run TensorFlow</a:t>
+          </a:r>
+        </a:p>
+      </dsp:txBody>
+      <dsp:txXfrm>
+        <a:off x="3031329" y="1037891"/>
+        <a:ext cx="2599684" cy="620944"/>
+      </dsp:txXfrm>
+    </dsp:sp>
+    <dsp:sp modelId="{EE847F69-3F79-1D41-A5BC-EB942E2B3AEB}">
+      <dsp:nvSpPr>
+        <dsp:cNvPr id="0" name=""/>
+        <dsp:cNvSpPr/>
+      </dsp:nvSpPr>
+      <dsp:spPr>
+        <a:xfrm rot="5400000">
+          <a:off x="4273458" y="1735866"/>
+          <a:ext cx="115426" cy="115426"/>
+        </a:xfrm>
+        <a:prstGeom prst="rightArrow">
+          <a:avLst>
+            <a:gd name="adj1" fmla="val 66700"/>
+            <a:gd name="adj2" fmla="val 50000"/>
+          </a:avLst>
+        </a:prstGeom>
+        <a:solidFill>
+          <a:schemeClr val="accent1">
+            <a:tint val="60000"/>
+            <a:hueOff val="0"/>
+            <a:satOff val="0"/>
+            <a:lumOff val="0"/>
+            <a:alphaOff val="0"/>
+          </a:schemeClr>
+        </a:solidFill>
+        <a:ln>
+          <a:noFill/>
+        </a:ln>
+        <a:effectLst/>
+      </dsp:spPr>
+      <dsp:style>
+        <a:lnRef idx="0">
+          <a:scrgbClr r="0" g="0" b="0"/>
+        </a:lnRef>
+        <a:fillRef idx="1">
+          <a:scrgbClr r="0" g="0" b="0"/>
+        </a:fillRef>
+        <a:effectRef idx="0">
+          <a:scrgbClr r="0" g="0" b="0"/>
+        </a:effectRef>
+        <a:fontRef idx="minor">
+          <a:schemeClr val="lt1"/>
+        </a:fontRef>
+      </dsp:style>
+    </dsp:sp>
+    <dsp:sp modelId="{2A576046-092B-F24F-8096-F6098DBA800C}">
+      <dsp:nvSpPr>
+        <dsp:cNvPr id="0" name=""/>
+        <dsp:cNvSpPr/>
+      </dsp:nvSpPr>
+      <dsp:spPr>
+        <a:xfrm>
+          <a:off x="3012011" y="1909006"/>
+          <a:ext cx="2638320" cy="659580"/>
+        </a:xfrm>
+        <a:prstGeom prst="roundRect">
+          <a:avLst>
+            <a:gd name="adj" fmla="val 10000"/>
+          </a:avLst>
+        </a:prstGeom>
+        <a:solidFill>
+          <a:schemeClr val="accent1">
+            <a:alpha val="90000"/>
+            <a:tint val="40000"/>
+            <a:hueOff val="0"/>
+            <a:satOff val="0"/>
+            <a:lumOff val="0"/>
+            <a:alphaOff val="0"/>
+          </a:schemeClr>
+        </a:solidFill>
+        <a:ln w="15875" cap="flat" cmpd="sng" algn="ctr">
+          <a:solidFill>
+            <a:schemeClr val="accent1">
+              <a:alpha val="90000"/>
+              <a:tint val="40000"/>
+              <a:hueOff val="0"/>
+              <a:satOff val="0"/>
+              <a:lumOff val="0"/>
+              <a:alphaOff val="0"/>
+            </a:schemeClr>
+          </a:solidFill>
+          <a:prstDash val="solid"/>
+        </a:ln>
+        <a:effectLst/>
+      </dsp:spPr>
+      <dsp:style>
+        <a:lnRef idx="2">
+          <a:scrgbClr r="0" g="0" b="0"/>
+        </a:lnRef>
+        <a:fillRef idx="1">
+          <a:scrgbClr r="0" g="0" b="0"/>
+        </a:fillRef>
+        <a:effectRef idx="0">
+          <a:scrgbClr r="0" g="0" b="0"/>
+        </a:effectRef>
+        <a:fontRef idx="minor"/>
+      </dsp:style>
+      <dsp:txBody>
+        <a:bodyPr spcFirstLastPara="0" vert="horz" wrap="square" lIns="25400" tIns="25400" rIns="25400" bIns="25400" numCol="1" spcCol="1270" anchor="ctr" anchorCtr="0">
+          <a:noAutofit/>
+        </a:bodyPr>
+        <a:lstStyle/>
+        <a:p>
+          <a:pPr marL="0" lvl="0" indent="0" algn="ctr" defTabSz="889000">
+            <a:lnSpc>
+              <a:spcPct val="90000"/>
+            </a:lnSpc>
+            <a:spcBef>
+              <a:spcPct val="0"/>
+            </a:spcBef>
+            <a:spcAft>
+              <a:spcPct val="35000"/>
+            </a:spcAft>
+            <a:buNone/>
+          </a:pPr>
+          <a:r>
+            <a:rPr lang="en-US" sz="2000" kern="1200" dirty="0"/>
+            <a:t>Train machine </a:t>
+          </a:r>
+          <a:r>
+            <a:rPr lang="en-US" sz="2000" kern="1200"/>
+            <a:t>with known cases</a:t>
+          </a:r>
+          <a:endParaRPr lang="en-US" sz="2000" kern="1200" dirty="0"/>
+        </a:p>
+      </dsp:txBody>
+      <dsp:txXfrm>
+        <a:off x="3031329" y="1928324"/>
+        <a:ext cx="2599684" cy="620944"/>
+      </dsp:txXfrm>
+    </dsp:sp>
+    <dsp:sp modelId="{A6662200-42EF-DA43-9B50-5D0A2F391472}">
+      <dsp:nvSpPr>
+        <dsp:cNvPr id="0" name=""/>
+        <dsp:cNvSpPr/>
+      </dsp:nvSpPr>
+      <dsp:spPr>
+        <a:xfrm rot="5400000">
+          <a:off x="4273458" y="2626300"/>
+          <a:ext cx="115426" cy="115426"/>
+        </a:xfrm>
+        <a:prstGeom prst="rightArrow">
+          <a:avLst>
+            <a:gd name="adj1" fmla="val 66700"/>
+            <a:gd name="adj2" fmla="val 50000"/>
+          </a:avLst>
+        </a:prstGeom>
+        <a:solidFill>
+          <a:schemeClr val="accent1">
+            <a:tint val="60000"/>
+            <a:hueOff val="0"/>
+            <a:satOff val="0"/>
+            <a:lumOff val="0"/>
+            <a:alphaOff val="0"/>
+          </a:schemeClr>
+        </a:solidFill>
+        <a:ln>
+          <a:noFill/>
+        </a:ln>
+        <a:effectLst/>
+      </dsp:spPr>
+      <dsp:style>
+        <a:lnRef idx="0">
+          <a:scrgbClr r="0" g="0" b="0"/>
+        </a:lnRef>
+        <a:fillRef idx="1">
+          <a:scrgbClr r="0" g="0" b="0"/>
+        </a:fillRef>
+        <a:effectRef idx="0">
+          <a:scrgbClr r="0" g="0" b="0"/>
+        </a:effectRef>
+        <a:fontRef idx="minor">
+          <a:schemeClr val="lt1"/>
+        </a:fontRef>
+      </dsp:style>
+    </dsp:sp>
+    <dsp:sp modelId="{94BB723E-C97E-234D-8BA2-BF0221226F87}">
+      <dsp:nvSpPr>
+        <dsp:cNvPr id="0" name=""/>
+        <dsp:cNvSpPr/>
+      </dsp:nvSpPr>
+      <dsp:spPr>
+        <a:xfrm>
+          <a:off x="3012011" y="2799439"/>
+          <a:ext cx="2638320" cy="1212974"/>
+        </a:xfrm>
+        <a:prstGeom prst="roundRect">
+          <a:avLst>
+            <a:gd name="adj" fmla="val 10000"/>
+          </a:avLst>
+        </a:prstGeom>
+        <a:solidFill>
+          <a:schemeClr val="accent1">
+            <a:alpha val="90000"/>
+            <a:tint val="40000"/>
+            <a:hueOff val="0"/>
+            <a:satOff val="0"/>
+            <a:lumOff val="0"/>
+            <a:alphaOff val="0"/>
+          </a:schemeClr>
+        </a:solidFill>
+        <a:ln w="15875" cap="flat" cmpd="sng" algn="ctr">
+          <a:solidFill>
+            <a:schemeClr val="accent1">
+              <a:alpha val="90000"/>
+              <a:tint val="40000"/>
+              <a:hueOff val="0"/>
+              <a:satOff val="0"/>
+              <a:lumOff val="0"/>
+              <a:alphaOff val="0"/>
+            </a:schemeClr>
+          </a:solidFill>
+          <a:prstDash val="solid"/>
+        </a:ln>
+        <a:effectLst/>
+      </dsp:spPr>
+      <dsp:style>
+        <a:lnRef idx="2">
+          <a:scrgbClr r="0" g="0" b="0"/>
+        </a:lnRef>
+        <a:fillRef idx="1">
+          <a:scrgbClr r="0" g="0" b="0"/>
+        </a:fillRef>
+        <a:effectRef idx="0">
+          <a:scrgbClr r="0" g="0" b="0"/>
+        </a:effectRef>
+        <a:fontRef idx="minor"/>
+      </dsp:style>
+      <dsp:txBody>
+        <a:bodyPr spcFirstLastPara="0" vert="horz" wrap="square" lIns="25400" tIns="25400" rIns="25400" bIns="25400" numCol="1" spcCol="1270" anchor="ctr" anchorCtr="0">
+          <a:noAutofit/>
+        </a:bodyPr>
+        <a:lstStyle/>
+        <a:p>
+          <a:pPr marL="0" lvl="0" indent="0" algn="ctr" defTabSz="889000">
+            <a:lnSpc>
+              <a:spcPct val="90000"/>
+            </a:lnSpc>
+            <a:spcBef>
+              <a:spcPct val="0"/>
+            </a:spcBef>
+            <a:spcAft>
+              <a:spcPct val="35000"/>
+            </a:spcAft>
+            <a:buNone/>
+          </a:pPr>
+          <a:r>
+            <a:rPr lang="en-US" sz="2000" kern="1200" dirty="0"/>
+            <a:t>Repeat training function until accuracy achieved and model defined</a:t>
+          </a:r>
+        </a:p>
+      </dsp:txBody>
+      <dsp:txXfrm>
+        <a:off x="3047538" y="2834966"/>
+        <a:ext cx="2567266" cy="1141920"/>
+      </dsp:txXfrm>
+    </dsp:sp>
+    <dsp:sp modelId="{64783DCC-A485-8B41-ADEE-D64E75151FED}">
+      <dsp:nvSpPr>
+        <dsp:cNvPr id="0" name=""/>
+        <dsp:cNvSpPr/>
+      </dsp:nvSpPr>
+      <dsp:spPr>
+        <a:xfrm>
+          <a:off x="6019697" y="1018573"/>
+          <a:ext cx="2638320" cy="659580"/>
+        </a:xfrm>
+        <a:prstGeom prst="roundRect">
+          <a:avLst>
+            <a:gd name="adj" fmla="val 10000"/>
+          </a:avLst>
+        </a:prstGeom>
+        <a:solidFill>
+          <a:schemeClr val="accent1">
+            <a:hueOff val="0"/>
+            <a:satOff val="0"/>
+            <a:lumOff val="0"/>
+            <a:alphaOff val="0"/>
+          </a:schemeClr>
+        </a:solidFill>
+        <a:ln w="15875" cap="flat" cmpd="sng" algn="ctr">
+          <a:solidFill>
+            <a:schemeClr val="lt1">
+              <a:hueOff val="0"/>
+              <a:satOff val="0"/>
+              <a:lumOff val="0"/>
+              <a:alphaOff val="0"/>
+            </a:schemeClr>
+          </a:solidFill>
+          <a:prstDash val="solid"/>
+        </a:ln>
+        <a:effectLst/>
+      </dsp:spPr>
+      <dsp:style>
+        <a:lnRef idx="2">
+          <a:scrgbClr r="0" g="0" b="0"/>
+        </a:lnRef>
+        <a:fillRef idx="1">
+          <a:scrgbClr r="0" g="0" b="0"/>
+        </a:fillRef>
+        <a:effectRef idx="0">
+          <a:scrgbClr r="0" g="0" b="0"/>
+        </a:effectRef>
+        <a:fontRef idx="minor">
+          <a:schemeClr val="lt1"/>
+        </a:fontRef>
+      </dsp:style>
+      <dsp:txBody>
+        <a:bodyPr spcFirstLastPara="0" vert="horz" wrap="square" lIns="27940" tIns="27940" rIns="27940" bIns="27940" numCol="1" spcCol="1270" anchor="ctr" anchorCtr="0">
+          <a:noAutofit/>
+        </a:bodyPr>
+        <a:lstStyle/>
+        <a:p>
+          <a:pPr marL="0" lvl="0" indent="0" algn="ctr" defTabSz="977900">
+            <a:lnSpc>
+              <a:spcPct val="90000"/>
+            </a:lnSpc>
+            <a:spcBef>
+              <a:spcPct val="0"/>
+            </a:spcBef>
+            <a:spcAft>
+              <a:spcPct val="35000"/>
+            </a:spcAft>
+            <a:buNone/>
+          </a:pPr>
+          <a:r>
+            <a:rPr lang="en-US" sz="2200" kern="1200" dirty="0"/>
+            <a:t>Input data into trained machine</a:t>
+          </a:r>
+        </a:p>
+      </dsp:txBody>
+      <dsp:txXfrm>
+        <a:off x="6039015" y="1037891"/>
+        <a:ext cx="2599684" cy="620944"/>
+      </dsp:txXfrm>
+    </dsp:sp>
+    <dsp:sp modelId="{168C08FD-6B5F-E147-88E3-E61936A1EE28}">
+      <dsp:nvSpPr>
+        <dsp:cNvPr id="0" name=""/>
+        <dsp:cNvSpPr/>
+      </dsp:nvSpPr>
+      <dsp:spPr>
+        <a:xfrm rot="5400000">
+          <a:off x="7281144" y="1735866"/>
+          <a:ext cx="115426" cy="115426"/>
+        </a:xfrm>
+        <a:prstGeom prst="rightArrow">
+          <a:avLst>
+            <a:gd name="adj1" fmla="val 66700"/>
+            <a:gd name="adj2" fmla="val 50000"/>
+          </a:avLst>
+        </a:prstGeom>
+        <a:solidFill>
+          <a:schemeClr val="accent1">
+            <a:tint val="60000"/>
+            <a:hueOff val="0"/>
+            <a:satOff val="0"/>
+            <a:lumOff val="0"/>
+            <a:alphaOff val="0"/>
+          </a:schemeClr>
+        </a:solidFill>
+        <a:ln>
+          <a:noFill/>
+        </a:ln>
+        <a:effectLst/>
+      </dsp:spPr>
+      <dsp:style>
+        <a:lnRef idx="0">
+          <a:scrgbClr r="0" g="0" b="0"/>
+        </a:lnRef>
+        <a:fillRef idx="1">
+          <a:scrgbClr r="0" g="0" b="0"/>
+        </a:fillRef>
+        <a:effectRef idx="0">
+          <a:scrgbClr r="0" g="0" b="0"/>
+        </a:effectRef>
+        <a:fontRef idx="minor">
+          <a:schemeClr val="lt1"/>
+        </a:fontRef>
+      </dsp:style>
+    </dsp:sp>
+    <dsp:sp modelId="{5441D7CB-A22A-7940-85C6-A243D65561BA}">
+      <dsp:nvSpPr>
+        <dsp:cNvPr id="0" name=""/>
+        <dsp:cNvSpPr/>
+      </dsp:nvSpPr>
+      <dsp:spPr>
+        <a:xfrm>
+          <a:off x="6019697" y="1909006"/>
+          <a:ext cx="2638320" cy="659580"/>
+        </a:xfrm>
+        <a:prstGeom prst="roundRect">
+          <a:avLst>
+            <a:gd name="adj" fmla="val 10000"/>
+          </a:avLst>
+        </a:prstGeom>
+        <a:solidFill>
+          <a:schemeClr val="accent1">
+            <a:alpha val="90000"/>
+            <a:tint val="40000"/>
+            <a:hueOff val="0"/>
+            <a:satOff val="0"/>
+            <a:lumOff val="0"/>
+            <a:alphaOff val="0"/>
+          </a:schemeClr>
+        </a:solidFill>
+        <a:ln w="15875" cap="flat" cmpd="sng" algn="ctr">
+          <a:solidFill>
+            <a:schemeClr val="accent1">
+              <a:alpha val="90000"/>
+              <a:tint val="40000"/>
+              <a:hueOff val="0"/>
+              <a:satOff val="0"/>
+              <a:lumOff val="0"/>
+              <a:alphaOff val="0"/>
+            </a:schemeClr>
+          </a:solidFill>
+          <a:prstDash val="solid"/>
+        </a:ln>
+        <a:effectLst/>
+      </dsp:spPr>
+      <dsp:style>
+        <a:lnRef idx="2">
+          <a:scrgbClr r="0" g="0" b="0"/>
+        </a:lnRef>
+        <a:fillRef idx="1">
+          <a:scrgbClr r="0" g="0" b="0"/>
+        </a:fillRef>
+        <a:effectRef idx="0">
+          <a:scrgbClr r="0" g="0" b="0"/>
+        </a:effectRef>
+        <a:fontRef idx="minor"/>
+      </dsp:style>
+      <dsp:txBody>
+        <a:bodyPr spcFirstLastPara="0" vert="horz" wrap="square" lIns="25400" tIns="25400" rIns="25400" bIns="25400" numCol="1" spcCol="1270" anchor="ctr" anchorCtr="0">
+          <a:noAutofit/>
+        </a:bodyPr>
+        <a:lstStyle/>
+        <a:p>
+          <a:pPr marL="0" lvl="0" indent="0" algn="ctr" defTabSz="889000">
+            <a:lnSpc>
+              <a:spcPct val="90000"/>
+            </a:lnSpc>
+            <a:spcBef>
+              <a:spcPct val="0"/>
+            </a:spcBef>
+            <a:spcAft>
+              <a:spcPct val="35000"/>
+            </a:spcAft>
+            <a:buNone/>
+          </a:pPr>
+          <a:r>
+            <a:rPr lang="en-US" sz="2000" kern="1200" dirty="0"/>
+            <a:t>Output is percent influence of law </a:t>
+          </a:r>
+        </a:p>
+      </dsp:txBody>
+      <dsp:txXfrm>
+        <a:off x="6039015" y="1928324"/>
+        <a:ext cx="2599684" cy="620944"/>
+      </dsp:txXfrm>
+    </dsp:sp>
+  </dsp:spTree>
+</dsp:drawing>
+</file>
+
+<file path=ppt/diagrams/layout1.xml><?xml version="1.0" encoding="utf-8"?>
+<dgm:layoutDef xmlns:dgm="http://schemas.openxmlformats.org/drawingml/2006/diagram" xmlns:a="http://schemas.openxmlformats.org/drawingml/2006/main" uniqueId="urn:microsoft.com/office/officeart/2005/8/layout/lProcess1">
+  <dgm:title val=""/>
+  <dgm:desc val=""/>
+  <dgm:catLst>
+    <dgm:cat type="process" pri="15000"/>
+  </dgm:catLst>
+  <dgm:sampData>
+    <dgm:dataModel>
+      <dgm:ptLst>
+        <dgm:pt modelId="0" type="doc"/>
+        <dgm:pt modelId="1">
+          <dgm:prSet phldr="1"/>
+        </dgm:pt>
+        <dgm:pt modelId="2">
+          <dgm:prSet phldr="1"/>
+        </dgm:pt>
+        <dgm:pt modelId="21">
+          <dgm:prSet phldr="1"/>
+        </dgm:pt>
+        <dgm:pt modelId="22">
+          <dgm:prSet phldr="1"/>
+        </dgm:pt>
+        <dgm:pt modelId="3">
+          <dgm:prSet phldr="1"/>
+        </dgm:pt>
+        <dgm:pt modelId="31">
+          <dgm:prSet phldr="1"/>
+        </dgm:pt>
+      </dgm:ptLst>
+      <dgm:cxnLst>
+        <dgm:cxn modelId="4" srcId="0" destId="1" srcOrd="0" destOrd="0"/>
+        <dgm:cxn modelId="5" srcId="0" destId="2" srcOrd="0" destOrd="0"/>
+        <dgm:cxn modelId="6" srcId="1" destId="3" srcOrd="1" destOrd="0"/>
+        <dgm:cxn modelId="23" srcId="2" destId="21" srcOrd="0" destOrd="0"/>
+        <dgm:cxn modelId="24" srcId="2" destId="22" srcOrd="1" destOrd="0"/>
+        <dgm:cxn modelId="33" srcId="1" destId="31" srcOrd="0" destOrd="0"/>
+      </dgm:cxnLst>
+      <dgm:bg/>
+      <dgm:whole/>
+    </dgm:dataModel>
+  </dgm:sampData>
+  <dgm:styleData>
+    <dgm:dataModel>
+      <dgm:ptLst>
+        <dgm:pt modelId="0" type="doc"/>
+        <dgm:pt modelId="1"/>
+        <dgm:pt modelId="11"/>
+        <dgm:pt modelId="2"/>
+        <dgm:pt modelId="22"/>
+      </dgm:ptLst>
+      <dgm:cxnLst>
+        <dgm:cxn modelId="3" srcId="0" destId="1" srcOrd="0" destOrd="0"/>
+        <dgm:cxn modelId="4" srcId="0" destId="2" srcOrd="0" destOrd="0"/>
+        <dgm:cxn modelId="5" srcId="1" destId="11" srcOrd="0" destOrd="0"/>
+        <dgm:cxn modelId="6" srcId="2" destId="22" srcOrd="0" destOrd="0"/>
+      </dgm:cxnLst>
+      <dgm:bg/>
+      <dgm:whole/>
+    </dgm:dataModel>
+  </dgm:styleData>
+  <dgm:clrData>
+    <dgm:dataModel>
+      <dgm:ptLst>
+        <dgm:pt modelId="0" type="doc"/>
+        <dgm:pt modelId="1"/>
+        <dgm:pt modelId="11"/>
+        <dgm:pt modelId="2"/>
+        <dgm:pt modelId="21"/>
+        <dgm:pt modelId="3"/>
+        <dgm:pt modelId="31"/>
+        <dgm:pt modelId="4"/>
+        <dgm:pt modelId="41"/>
+      </dgm:ptLst>
+      <dgm:cxnLst>
+        <dgm:cxn modelId="5" srcId="0" destId="1" srcOrd="0" destOrd="0"/>
+        <dgm:cxn modelId="6" srcId="0" destId="2" srcOrd="1" destOrd="0"/>
+        <dgm:cxn modelId="7" srcId="0" destId="3" srcOrd="2" destOrd="0"/>
+        <dgm:cxn modelId="8" srcId="0" destId="4" srcOrd="3" destOrd="0"/>
+        <dgm:cxn modelId="51" srcId="1" destId="11" srcOrd="0" destOrd="0"/>
+        <dgm:cxn modelId="61" srcId="2" destId="21" srcOrd="0" destOrd="0"/>
+        <dgm:cxn modelId="71" srcId="3" destId="31" srcOrd="0" destOrd="0"/>
+        <dgm:cxn modelId="81" srcId="4" destId="41" srcOrd="0" destOrd="0"/>
+      </dgm:cxnLst>
+      <dgm:bg/>
+      <dgm:whole/>
+    </dgm:dataModel>
+  </dgm:clrData>
+  <dgm:layoutNode name="Name0">
+    <dgm:varLst>
+      <dgm:dir/>
+      <dgm:animLvl val="lvl"/>
+      <dgm:resizeHandles val="exact"/>
+    </dgm:varLst>
+    <dgm:choose name="Name1">
+      <dgm:if name="Name2" func="var" arg="dir" op="equ" val="norm">
+        <dgm:alg type="lin">
+          <dgm:param type="linDir" val="fromL"/>
+          <dgm:param type="vertAlign" val="mid"/>
+          <dgm:param type="nodeHorzAlign" val="l"/>
+          <dgm:param type="nodeVertAlign" val="t"/>
+          <dgm:param type="fallback" val="2D"/>
+        </dgm:alg>
+      </dgm:if>
+      <dgm:else name="Name3">
+        <dgm:alg type="lin">
+          <dgm:param type="linDir" val="fromR"/>
+          <dgm:param type="vertAlign" val="mid"/>
+          <dgm:param type="nodeHorzAlign" val="r"/>
+          <dgm:param type="nodeVertAlign" val="t"/>
+          <dgm:param type="fallback" val="2D"/>
+        </dgm:alg>
+      </dgm:else>
+    </dgm:choose>
+    <dgm:shape xmlns:r="http://schemas.openxmlformats.org/officeDocument/2006/relationships" r:blip="">
+      <dgm:adjLst/>
+    </dgm:shape>
+    <dgm:presOf/>
+    <dgm:constrLst>
+      <dgm:constr type="h" for="des" forName="header" refType="h"/>
+      <dgm:constr type="w" for="des" forName="header" refType="h" refFor="des" refForName="header" op="equ" fact="4"/>
+      <dgm:constr type="h" for="des" forName="child" refType="h" refFor="des" refForName="header" op="equ"/>
+      <dgm:constr type="w" for="des" forName="child" refType="w" refFor="des" refForName="header" op="equ"/>
+      <dgm:constr type="w" for="ch" forName="hSp" refType="w" refFor="des" refForName="header" op="equ" fact="0.14"/>
+      <dgm:constr type="h" for="des" forName="parTrans" refType="h" refFor="des" refForName="header" op="equ" fact="0.35"/>
+      <dgm:constr type="h" for="des" forName="sibTrans" refType="h" refFor="des" refForName="parTrans" op="equ"/>
+      <dgm:constr type="primFontSz" for="des" forName="child" op="equ" val="65"/>
+      <dgm:constr type="primFontSz" for="des" forName="header" op="equ" val="65"/>
+    </dgm:constrLst>
+    <dgm:ruleLst/>
+    <dgm:forEach name="Name4" axis="ch" ptType="node">
+      <dgm:layoutNode name="vertFlow">
+        <dgm:choose name="Name5">
+          <dgm:if name="Name6" func="var" arg="dir" op="equ" val="norm">
+            <dgm:alg type="lin">
+              <dgm:param type="linDir" val="fromT"/>
+              <dgm:param type="nodeHorzAlign" val="ctr"/>
+              <dgm:param type="nodeVertAlign" val="t"/>
+              <dgm:param type="fallback" val="2D"/>
+            </dgm:alg>
+          </dgm:if>
+          <dgm:else name="Name7">
+            <dgm:alg type="lin">
+              <dgm:param type="linDir" val="fromT"/>
+              <dgm:param type="nodeHorzAlign" val="ctr"/>
+              <dgm:param type="nodeVertAlign" val="t"/>
+              <dgm:param type="fallback" val="2D"/>
+            </dgm:alg>
+          </dgm:else>
+        </dgm:choose>
+        <dgm:shape xmlns:r="http://schemas.openxmlformats.org/officeDocument/2006/relationships" r:blip="">
+          <dgm:adjLst/>
+        </dgm:shape>
+        <dgm:presOf/>
+        <dgm:constrLst/>
+        <dgm:ruleLst/>
+        <dgm:layoutNode name="header" styleLbl="node1">
+          <dgm:alg type="tx"/>
+          <dgm:shape xmlns:r="http://schemas.openxmlformats.org/officeDocument/2006/relationships" type="roundRect" r:blip="">
+            <dgm:adjLst>
+              <dgm:adj idx="1" val="0.1"/>
+            </dgm:adjLst>
+          </dgm:shape>
+          <dgm:presOf axis="self"/>
+          <dgm:constrLst>
+            <dgm:constr type="tMarg" refType="primFontSz" fact="0.1"/>
+            <dgm:constr type="bMarg" refType="primFontSz" fact="0.1"/>
+            <dgm:constr type="lMarg" refType="primFontSz" fact="0.1"/>
+            <dgm:constr type="rMarg" refType="primFontSz" fact="0.1"/>
+          </dgm:constrLst>
+          <dgm:ruleLst>
+            <dgm:rule type="primFontSz" val="5" fact="NaN" max="NaN"/>
+          </dgm:ruleLst>
+        </dgm:layoutNode>
+        <dgm:forEach name="Name8" axis="ch" ptType="parTrans" cnt="1">
+          <dgm:layoutNode name="parTrans" styleLbl="sibTrans2D1">
+            <dgm:alg type="conn">
+              <dgm:param type="begPts" val="auto"/>
+              <dgm:param type="endPts" val="auto"/>
+            </dgm:alg>
+            <dgm:shape xmlns:r="http://schemas.openxmlformats.org/officeDocument/2006/relationships" type="conn" r:blip="">
+              <dgm:adjLst/>
+            </dgm:shape>
+            <dgm:presOf axis="self"/>
+            <dgm:constrLst>
+              <dgm:constr type="w" refType="h"/>
+              <dgm:constr type="connDist"/>
+              <dgm:constr type="wArH" refType="h" fact="0.25"/>
+              <dgm:constr type="hArH" refType="wArH" fact="2"/>
+              <dgm:constr type="stemThick" refType="hArH" fact="0.667"/>
+              <dgm:constr type="begPad" refType="connDist" fact="0.25"/>
+              <dgm:constr type="endPad" refType="connDist" fact="0.25"/>
+            </dgm:constrLst>
+            <dgm:ruleLst/>
+          </dgm:layoutNode>
+        </dgm:forEach>
+        <dgm:forEach name="Name9" axis="ch" ptType="node">
+          <dgm:layoutNode name="child" styleLbl="alignAccFollowNode1">
+            <dgm:varLst>
+              <dgm:chMax val="0"/>
+              <dgm:bulletEnabled val="1"/>
+            </dgm:varLst>
+            <dgm:alg type="tx"/>
+            <dgm:shape xmlns:r="http://schemas.openxmlformats.org/officeDocument/2006/relationships" type="roundRect" r:blip="">
+              <dgm:adjLst>
+                <dgm:adj idx="1" val="0.1"/>
+              </dgm:adjLst>
+            </dgm:shape>
+            <dgm:presOf axis="desOrSelf" ptType="node"/>
+            <dgm:constrLst>
+              <dgm:constr type="tMarg" refType="primFontSz" fact="0.1"/>
+              <dgm:constr type="bMarg" refType="primFontSz" fact="0.1"/>
+              <dgm:constr type="lMarg" refType="primFontSz" fact="0.1"/>
+              <dgm:constr type="rMarg" refType="primFontSz" fact="0.1"/>
+            </dgm:constrLst>
+            <dgm:ruleLst>
+              <dgm:rule type="primFontSz" val="5" fact="NaN" max="NaN"/>
+            </dgm:ruleLst>
+          </dgm:layoutNode>
+          <dgm:forEach name="Name10" axis="followSib" ptType="sibTrans" cnt="1">
+            <dgm:layoutNode name="sibTrans" styleLbl="sibTrans2D1">
+              <dgm:alg type="conn">
+                <dgm:param type="begPts" val="auto"/>
+                <dgm:param type="endPts" val="auto"/>
+              </dgm:alg>
+              <dgm:shape xmlns:r="http://schemas.openxmlformats.org/officeDocument/2006/relationships" type="conn" r:blip="">
+                <dgm:adjLst/>
+              </dgm:shape>
+              <dgm:presOf axis="self"/>
+              <dgm:constrLst>
+                <dgm:constr type="w" refType="h"/>
+                <dgm:constr type="connDist"/>
+                <dgm:constr type="wArH" refType="h" fact="0.25"/>
+                <dgm:constr type="hArH" refType="wArH" fact="2"/>
+                <dgm:constr type="stemThick" refType="hArH" fact="0.667"/>
+                <dgm:constr type="begPad" refType="w" fact="0.25"/>
+                <dgm:constr type="endPad" refType="w" fact="0.25"/>
+              </dgm:constrLst>
+              <dgm:ruleLst/>
+            </dgm:layoutNode>
+          </dgm:forEach>
+        </dgm:forEach>
+      </dgm:layoutNode>
+      <dgm:choose name="Name11">
+        <dgm:if name="Name12" axis="self" ptType="node" func="revPos" op="gte" val="2">
+          <dgm:layoutNode name="hSp">
+            <dgm:alg type="sp"/>
+            <dgm:shape xmlns:r="http://schemas.openxmlformats.org/officeDocument/2006/relationships" r:blip="">
+              <dgm:adjLst/>
+            </dgm:shape>
+            <dgm:presOf/>
+            <dgm:constrLst/>
+            <dgm:ruleLst/>
+          </dgm:layoutNode>
+        </dgm:if>
+        <dgm:else name="Name13"/>
+      </dgm:choose>
+    </dgm:forEach>
+  </dgm:layoutNode>
+</dgm:layoutDef>
+</file>
+
+<file path=ppt/diagrams/quickStyle1.xml><?xml version="1.0" encoding="utf-8"?>
+<dgm:styleDef xmlns:dgm="http://schemas.openxmlformats.org/drawingml/2006/diagram" xmlns:a="http://schemas.openxmlformats.org/drawingml/2006/main" uniqueId="urn:microsoft.com/office/officeart/2005/8/quickstyle/simple1">
+  <dgm:title val=""/>
+  <dgm:desc val=""/>
+  <dgm:catLst>
+    <dgm:cat type="simple" pri="10100"/>
+  </dgm:catLst>
+  <dgm:scene3d>
+    <a:camera prst="orthographicFront"/>
+    <a:lightRig rig="threePt" dir="t"/>
+  </dgm:scene3d>
+  <dgm:styleLbl name="node0">
+    <dgm:scene3d>
+      <a:camera prst="orthographicFront"/>
+      <a:lightRig rig="threePt" dir="t"/>
+    </dgm:scene3d>
+    <dgm:sp3d/>
+    <dgm:txPr/>
+    <dgm:style>
+      <a:lnRef idx="2">
+        <a:scrgbClr r="0" g="0" b="0"/>
+      </a:lnRef>
+      <a:fillRef idx="1">
+        <a:scrgbClr r="0" g="0" b="0"/>
+      </a:fillRef>
+      <a:effectRef idx="0">
+        <a:scrgbClr r="0" g="0" b="0"/>
+      </a:effectRef>
+      <a:fontRef idx="minor">
+        <a:schemeClr val="lt1"/>
+      </a:fontRef>
+    </dgm:style>
+  </dgm:styleLbl>
+  <dgm:styleLbl name="lnNode1">
+    <dgm:scene3d>
+      <a:camera prst="orthographicFront"/>
+      <a:lightRig rig="threePt" dir="t"/>
+    </dgm:scene3d>
+    <dgm:sp3d/>
+    <dgm:txPr/>
+    <dgm:style>
+      <a:lnRef idx="2">
+        <a:scrgbClr r="0" g="0" b="0"/>
+      </a:lnRef>
+      <a:fillRef idx="1">
+        <a:scrgbClr r="0" g="0" b="0"/>
+      </a:fillRef>
+      <a:effectRef idx="0">
+        <a:scrgbClr r="0" g="0" b="0"/>
+      </a:effectRef>
+      <a:fontRef idx="minor">
+        <a:schemeClr val="lt1"/>
+      </a:fontRef>
+    </dgm:style>
+  </dgm:styleLbl>
+  <dgm:styleLbl name="vennNode1">
+    <dgm:scene3d>
+      <a:camera prst="orthographicFront"/>
+      <a:lightRig rig="threePt" dir="t"/>
+    </dgm:scene3d>
+    <dgm:sp3d/>
+    <dgm:txPr/>
+    <dgm:style>
+      <a:lnRef idx="2">
+        <a:scrgbClr r="0" g="0" b="0"/>
+      </a:lnRef>
+      <a:fillRef idx="1">
+        <a:scrgbClr r="0" g="0" b="0"/>
+      </a:fillRef>
+      <a:effectRef idx="0">
+        <a:scrgbClr r="0" g="0" b="0"/>
+      </a:effectRef>
+      <a:fontRef idx="minor">
+        <a:schemeClr val="tx1"/>
+      </a:fontRef>
+    </dgm:style>
+  </dgm:styleLbl>
+  <dgm:styleLbl name="alignNode1">
+    <dgm:scene3d>
+      <a:camera prst="orthographicFront"/>
+      <a:lightRig rig="threePt" dir="t"/>
+    </dgm:scene3d>
+    <dgm:sp3d/>
+    <dgm:txPr/>
+    <dgm:style>
+      <a:lnRef idx="2">
+        <a:scrgbClr r="0" g="0" b="0"/>
+      </a:lnRef>
+      <a:fillRef idx="1">
+        <a:scrgbClr r="0" g="0" b="0"/>
+      </a:fillRef>
+      <a:effectRef idx="0">
+        <a:scrgbClr r="0" g="0" b="0"/>
+      </a:effectRef>
+      <a:fontRef idx="minor">
+        <a:schemeClr val="lt1"/>
+      </a:fontRef>
+    </dgm:style>
+  </dgm:styleLbl>
+  <dgm:styleLbl name="node1">
+    <dgm:scene3d>
+      <a:camera prst="orthographicFront"/>
+      <a:lightRig rig="threePt" dir="t"/>
+    </dgm:scene3d>
+    <dgm:sp3d/>
+    <dgm:txPr/>
+    <dgm:style>
+      <a:lnRef idx="2">
+        <a:scrgbClr r="0" g="0" b="0"/>
+      </a:lnRef>
+      <a:fillRef idx="1">
+        <a:scrgbClr r="0" g="0" b="0"/>
+      </a:fillRef>
+      <a:effectRef idx="0">
+        <a:scrgbClr r="0" g="0" b="0"/>
+      </a:effectRef>
+      <a:fontRef idx="minor">
+        <a:schemeClr val="lt1"/>
+      </a:fontRef>
+    </dgm:style>
+  </dgm:styleLbl>
+  <dgm:styleLbl name="node2">
+    <dgm:scene3d>
+      <a:camera prst="orthographicFront"/>
+      <a:lightRig rig="threePt" dir="t"/>
+    </dgm:scene3d>
+    <dgm:sp3d/>
+    <dgm:txPr/>
+    <dgm:style>
+      <a:lnRef idx="2">
+        <a:scrgbClr r="0" g="0" b="0"/>
+      </a:lnRef>
+      <a:fillRef idx="1">
+        <a:scrgbClr r="0" g="0" b="0"/>
+      </a:fillRef>
+      <a:effectRef idx="0">
+        <a:scrgbClr r="0" g="0" b="0"/>
+      </a:effectRef>
+      <a:fontRef idx="minor">
+        <a:schemeClr val="lt1"/>
+      </a:fontRef>
+    </dgm:style>
+  </dgm:styleLbl>
+  <dgm:styleLbl name="node3">
+    <dgm:scene3d>
+      <a:camera prst="orthographicFront"/>
+      <a:lightRig rig="threePt" dir="t"/>
+    </dgm:scene3d>
+    <dgm:sp3d/>
+    <dgm:txPr/>
+    <dgm:style>
+      <a:lnRef idx="2">
+        <a:scrgbClr r="0" g="0" b="0"/>
+      </a:lnRef>
+      <a:fillRef idx="1">
+        <a:scrgbClr r="0" g="0" b="0"/>
+      </a:fillRef>
+      <a:effectRef idx="0">
+        <a:scrgbClr r="0" g="0" b="0"/>
+      </a:effectRef>
+      <a:fontRef idx="minor">
+        <a:schemeClr val="lt1"/>
+      </a:fontRef>
+    </dgm:style>
+  </dgm:styleLbl>
+  <dgm:styleLbl name="node4">
+    <dgm:scene3d>
+      <a:camera prst="orthographicFront"/>
+      <a:lightRig rig="threePt" dir="t"/>
+    </dgm:scene3d>
+    <dgm:sp3d/>
+    <dgm:txPr/>
+    <dgm:style>
+      <a:lnRef idx="2">
+        <a:scrgbClr r="0" g="0" b="0"/>
+      </a:lnRef>
+      <a:fillRef idx="1">
+        <a:scrgbClr r="0" g="0" b="0"/>
+      </a:fillRef>
+      <a:effectRef idx="0">
+        <a:scrgbClr r="0" g="0" b="0"/>
+      </a:effectRef>
+      <a:fontRef idx="minor">
+        <a:schemeClr val="lt1"/>
+      </a:fontRef>
+    </dgm:style>
+  </dgm:styleLbl>
+  <dgm:styleLbl name="fgImgPlace1">
+    <dgm:scene3d>
+      <a:camera prst="orthographicFront"/>
+      <a:lightRig rig="threePt" dir="t"/>
+    </dgm:scene3d>
+    <dgm:sp3d/>
+    <dgm:txPr/>
+    <dgm:style>
+      <a:lnRef idx="2">
+        <a:scrgbClr r="0" g="0" b="0"/>
+      </a:lnRef>
+      <a:fillRef idx="1">
+        <a:scrgbClr r="0" g="0" b="0"/>
+      </a:fillRef>
+      <a:effectRef idx="0">
+        <a:scrgbClr r="0" g="0" b="0"/>
+      </a:effectRef>
+      <a:fontRef idx="minor"/>
+    </dgm:style>
+  </dgm:styleLbl>
+  <dgm:styleLbl name="alignImgPlace1">
+    <dgm:scene3d>
+      <a:camera prst="orthographicFront"/>
+      <a:lightRig rig="threePt" dir="t"/>
+    </dgm:scene3d>
+    <dgm:sp3d/>
+    <dgm:txPr/>
+    <dgm:style>
+      <a:lnRef idx="2">
+        <a:scrgbClr r="0" g="0" b="0"/>
+      </a:lnRef>
+      <a:fillRef idx="1">
+        <a:scrgbClr r="0" g="0" b="0"/>
+      </a:fillRef>
+      <a:effectRef idx="0">
+        <a:scrgbClr r="0" g="0" b="0"/>
+      </a:effectRef>
+      <a:fontRef idx="minor"/>
+    </dgm:style>
+  </dgm:styleLbl>
+  <dgm:styleLbl name="bgImgPlace1">
+    <dgm:scene3d>
+      <a:camera prst="orthographicFront"/>
+      <a:lightRig rig="threePt" dir="t"/>
+    </dgm:scene3d>
+    <dgm:sp3d/>
+    <dgm:txPr/>
+    <dgm:style>
+      <a:lnRef idx="2">
+        <a:scrgbClr r="0" g="0" b="0"/>
+      </a:lnRef>
+      <a:fillRef idx="1">
+        <a:scrgbClr r="0" g="0" b="0"/>
+      </a:fillRef>
+      <a:effectRef idx="0">
+        <a:scrgbClr r="0" g="0" b="0"/>
+      </a:effectRef>
+      <a:fontRef idx="minor"/>
+    </dgm:style>
+  </dgm:styleLbl>
+  <dgm:styleLbl name="sibTrans2D1">
+    <dgm:scene3d>
+      <a:camera prst="orthographicFront"/>
+      <a:lightRig rig="threePt" dir="t"/>
+    </dgm:scene3d>
+    <dgm:sp3d/>
+    <dgm:txPr/>
+    <dgm:style>
+      <a:lnRef idx="0">
+        <a:scrgbClr r="0" g="0" b="0"/>
+      </a:lnRef>
+      <a:fillRef idx="1">
+        <a:scrgbClr r="0" g="0" b="0"/>
+      </a:fillRef>
+      <a:effectRef idx="0">
+        <a:scrgbClr r="0" g="0" b="0"/>
+      </a:effectRef>
+      <a:fontRef idx="minor">
+        <a:schemeClr val="lt1"/>
+      </a:fontRef>
+    </dgm:style>
+  </dgm:styleLbl>
+  <dgm:styleLbl name="fgSibTrans2D1">
+    <dgm:scene3d>
+      <a:camera prst="orthographicFront"/>
+      <a:lightRig rig="threePt" dir="t"/>
+    </dgm:scene3d>
+    <dgm:sp3d/>
+    <dgm:txPr/>
+    <dgm:style>
+      <a:lnRef idx="0">
+        <a:scrgbClr r="0" g="0" b="0"/>
+      </a:lnRef>
+      <a:fillRef idx="1">
+        <a:scrgbClr r="0" g="0" b="0"/>
+      </a:fillRef>
+      <a:effectRef idx="0">
+        <a:scrgbClr r="0" g="0" b="0"/>
+      </a:effectRef>
+      <a:fontRef idx="minor">
+        <a:schemeClr val="lt1"/>
+      </a:fontRef>
+    </dgm:style>
+  </dgm:styleLbl>
+  <dgm:styleLbl name="bgSibTrans2D1">
+    <dgm:scene3d>
+      <a:camera prst="orthographicFront"/>
+      <a:lightRig rig="threePt" dir="t"/>
+    </dgm:scene3d>
+    <dgm:sp3d/>
+    <dgm:txPr/>
+    <dgm:style>
+      <a:lnRef idx="0">
+        <a:scrgbClr r="0" g="0" b="0"/>
+      </a:lnRef>
+      <a:fillRef idx="1">
+        <a:scrgbClr r="0" g="0" b="0"/>
+      </a:fillRef>
+      <a:effectRef idx="0">
+        <a:scrgbClr r="0" g="0" b="0"/>
+      </a:effectRef>
+      <a:fontRef idx="minor">
+        <a:schemeClr val="lt1"/>
+      </a:fontRef>
+    </dgm:style>
+  </dgm:styleLbl>
+  <dgm:styleLbl name="sibTrans1D1">
+    <dgm:scene3d>
+      <a:camera prst="orthographicFront"/>
+      <a:lightRig rig="threePt" dir="t"/>
+    </dgm:scene3d>
+    <dgm:sp3d/>
+    <dgm:txPr/>
+    <dgm:style>
+      <a:lnRef idx="1">
+        <a:scrgbClr r="0" g="0" b="0"/>
+      </a:lnRef>
+      <a:fillRef idx="0">
+        <a:scrgbClr r="0" g="0" b="0"/>
+      </a:fillRef>
+      <a:effectRef idx="0">
+        <a:scrgbClr r="0" g="0" b="0"/>
+      </a:effectRef>
+      <a:fontRef idx="minor"/>
+    </dgm:style>
+  </dgm:styleLbl>
+  <dgm:styleLbl name="callout">
+    <dgm:scene3d>
+      <a:camera prst="orthographicFront"/>
+      <a:lightRig rig="threePt" dir="t"/>
+    </dgm:scene3d>
+    <dgm:sp3d/>
+    <dgm:txPr/>
+    <dgm:style>
+      <a:lnRef idx="2">
+        <a:scrgbClr r="0" g="0" b="0"/>
+      </a:lnRef>
+      <a:fillRef idx="1">
+        <a:scrgbClr r="0" g="0" b="0"/>
+      </a:fillRef>
+      <a:effectRef idx="0">
+        <a:scrgbClr r="0" g="0" b="0"/>
+      </a:effectRef>
+      <a:fontRef idx="minor"/>
+    </dgm:style>
+  </dgm:styleLbl>
+  <dgm:styleLbl name="asst0">
+    <dgm:scene3d>
+      <a:camera prst="orthographicFront"/>
+      <a:lightRig rig="threePt" dir="t"/>
+    </dgm:scene3d>
+    <dgm:sp3d/>
+    <dgm:txPr/>
+    <dgm:style>
+      <a:lnRef idx="2">
+        <a:scrgbClr r="0" g="0" b="0"/>
+      </a:lnRef>
+      <a:fillRef idx="1">
+        <a:scrgbClr r="0" g="0" b="0"/>
+      </a:fillRef>
+      <a:effectRef idx="0">
+        <a:scrgbClr r="0" g="0" b="0"/>
+      </a:effectRef>
+      <a:fontRef idx="minor">
+        <a:schemeClr val="lt1"/>
+      </a:fontRef>
+    </dgm:style>
+  </dgm:styleLbl>
+  <dgm:styleLbl name="asst1">
+    <dgm:scene3d>
+      <a:camera prst="orthographicFront"/>
+      <a:lightRig rig="threePt" dir="t"/>
+    </dgm:scene3d>
+    <dgm:sp3d/>
+    <dgm:txPr/>
+    <dgm:style>
+      <a:lnRef idx="2">
+        <a:scrgbClr r="0" g="0" b="0"/>
+      </a:lnRef>
+      <a:fillRef idx="1">
+        <a:scrgbClr r="0" g="0" b="0"/>
+      </a:fillRef>
+      <a:effectRef idx="0">
+        <a:scrgbClr r="0" g="0" b="0"/>
+      </a:effectRef>
+      <a:fontRef idx="minor">
+        <a:schemeClr val="lt1"/>
+      </a:fontRef>
+    </dgm:style>
+  </dgm:styleLbl>
+  <dgm:styleLbl name="asst2">
+    <dgm:scene3d>
+      <a:camera prst="orthographicFront"/>
+      <a:lightRig rig="threePt" dir="t"/>
+    </dgm:scene3d>
+    <dgm:sp3d/>
+    <dgm:txPr/>
+    <dgm:style>
+      <a:lnRef idx="2">
+        <a:scrgbClr r="0" g="0" b="0"/>
+      </a:lnRef>
+      <a:fillRef idx="1">
+        <a:scrgbClr r="0" g="0" b="0"/>
+      </a:fillRef>
+      <a:effectRef idx="0">
+        <a:scrgbClr r="0" g="0" b="0"/>
+      </a:effectRef>
+      <a:fontRef idx="minor">
+        <a:schemeClr val="lt1"/>
+      </a:fontRef>
+    </dgm:style>
+  </dgm:styleLbl>
+  <dgm:styleLbl name="asst3">
+    <dgm:scene3d>
+      <a:camera prst="orthographicFront"/>
+      <a:lightRig rig="threePt" dir="t"/>
+    </dgm:scene3d>
+    <dgm:sp3d/>
+    <dgm:txPr/>
+    <dgm:style>
+      <a:lnRef idx="2">
+        <a:scrgbClr r="0" g="0" b="0"/>
+      </a:lnRef>
+      <a:fillRef idx="1">
+        <a:scrgbClr r="0" g="0" b="0"/>
+      </a:fillRef>
+      <a:effectRef idx="0">
+        <a:scrgbClr r="0" g="0" b="0"/>
+      </a:effectRef>
+      <a:fontRef idx="minor">
+        <a:schemeClr val="lt1"/>
+      </a:fontRef>
+    </dgm:style>
+  </dgm:styleLbl>
+  <dgm:styleLbl name="asst4">
+    <dgm:scene3d>
+      <a:camera prst="orthographicFront"/>
+      <a:lightRig rig="threePt" dir="t"/>
+    </dgm:scene3d>
+    <dgm:sp3d/>
+    <dgm:txPr/>
+    <dgm:style>
+      <a:lnRef idx="2">
+        <a:scrgbClr r="0" g="0" b="0"/>
+      </a:lnRef>
+      <a:fillRef idx="1">
+        <a:scrgbClr r="0" g="0" b="0"/>
+      </a:fillRef>
+      <a:effectRef idx="0">
+        <a:scrgbClr r="0" g="0" b="0"/>
+      </a:effectRef>
+      <a:fontRef idx="minor">
+        <a:schemeClr val="lt1"/>
+      </a:fontRef>
+    </dgm:style>
+  </dgm:styleLbl>
+  <dgm:styleLbl name="parChTrans2D1">
+    <dgm:scene3d>
+      <a:camera prst="orthographicFront"/>
+      <a:lightRig rig="threePt" dir="t"/>
+    </dgm:scene3d>
+    <dgm:sp3d/>
+    <dgm:txPr/>
+    <dgm:style>
+      <a:lnRef idx="2">
+        <a:scrgbClr r="0" g="0" b="0"/>
+      </a:lnRef>
+      <a:fillRef idx="1">
+        <a:scrgbClr r="0" g="0" b="0"/>
+      </a:fillRef>
+      <a:effectRef idx="0">
+        <a:scrgbClr r="0" g="0" b="0"/>
+      </a:effectRef>
+      <a:fontRef idx="minor">
+        <a:schemeClr val="lt1"/>
+      </a:fontRef>
+    </dgm:style>
+  </dgm:styleLbl>
+  <dgm:styleLbl name="parChTrans2D2">
+    <dgm:scene3d>
+      <a:camera prst="orthographicFront"/>
+      <a:lightRig rig="threePt" dir="t"/>
+    </dgm:scene3d>
+    <dgm:sp3d/>
+    <dgm:txPr/>
+    <dgm:style>
+      <a:lnRef idx="2">
+        <a:scrgbClr r="0" g="0" b="0"/>
+      </a:lnRef>
+      <a:fillRef idx="1">
+        <a:scrgbClr r="0" g="0" b="0"/>
+      </a:fillRef>
+      <a:effectRef idx="0">
+        <a:scrgbClr r="0" g="0" b="0"/>
+      </a:effectRef>
+      <a:fontRef idx="minor">
+        <a:schemeClr val="lt1"/>
+      </a:fontRef>
+    </dgm:style>
+  </dgm:styleLbl>
+  <dgm:styleLbl name="parChTrans2D3">
+    <dgm:scene3d>
+      <a:camera prst="orthographicFront"/>
+      <a:lightRig rig="threePt" dir="t"/>
+    </dgm:scene3d>
+    <dgm:sp3d/>
+    <dgm:txPr/>
+    <dgm:style>
+      <a:lnRef idx="2">
+        <a:scrgbClr r="0" g="0" b="0"/>
+      </a:lnRef>
+      <a:fillRef idx="1">
+        <a:scrgbClr r="0" g="0" b="0"/>
+      </a:fillRef>
+      <a:effectRef idx="0">
+        <a:scrgbClr r="0" g="0" b="0"/>
+      </a:effectRef>
+      <a:fontRef idx="minor">
+        <a:schemeClr val="lt1"/>
+      </a:fontRef>
+    </dgm:style>
+  </dgm:styleLbl>
+  <dgm:styleLbl name="parChTrans2D4">
+    <dgm:scene3d>
+      <a:camera prst="orthographicFront"/>
+      <a:lightRig rig="threePt" dir="t"/>
+    </dgm:scene3d>
+    <dgm:sp3d/>
+    <dgm:txPr/>
+    <dgm:style>
+      <a:lnRef idx="2">
+        <a:scrgbClr r="0" g="0" b="0"/>
+      </a:lnRef>
+      <a:fillRef idx="1">
+        <a:scrgbClr r="0" g="0" b="0"/>
+      </a:fillRef>
+      <a:effectRef idx="0">
+        <a:scrgbClr r="0" g="0" b="0"/>
+      </a:effectRef>
+      <a:fontRef idx="minor">
+        <a:schemeClr val="lt1"/>
+      </a:fontRef>
+    </dgm:style>
+  </dgm:styleLbl>
+  <dgm:styleLbl name="parChTrans1D1">
+    <dgm:scene3d>
+      <a:camera prst="orthographicFront"/>
+      <a:lightRig rig="threePt" dir="t"/>
+    </dgm:scene3d>
+    <dgm:sp3d/>
+    <dgm:txPr/>
+    <dgm:style>
+      <a:lnRef idx="2">
+        <a:scrgbClr r="0" g="0" b="0"/>
+      </a:lnRef>
+      <a:fillRef idx="0">
+        <a:scrgbClr r="0" g="0" b="0"/>
+      </a:fillRef>
+      <a:effectRef idx="0">
+        <a:scrgbClr r="0" g="0" b="0"/>
+      </a:effectRef>
+      <a:fontRef idx="minor"/>
+    </dgm:style>
+  </dgm:styleLbl>
+  <dgm:styleLbl name="parChTrans1D2">
+    <dgm:scene3d>
+      <a:camera prst="orthographicFront"/>
+      <a:lightRig rig="threePt" dir="t"/>
+    </dgm:scene3d>
+    <dgm:sp3d/>
+    <dgm:txPr/>
+    <dgm:style>
+      <a:lnRef idx="2">
+        <a:scrgbClr r="0" g="0" b="0"/>
+      </a:lnRef>
+      <a:fillRef idx="0">
+        <a:scrgbClr r="0" g="0" b="0"/>
+      </a:fillRef>
+      <a:effectRef idx="0">
+        <a:scrgbClr r="0" g="0" b="0"/>
+      </a:effectRef>
+      <a:fontRef idx="minor"/>
+    </dgm:style>
+  </dgm:styleLbl>
+  <dgm:styleLbl name="parChTrans1D3">
+    <dgm:scene3d>
+      <a:camera prst="orthographicFront"/>
+      <a:lightRig rig="threePt" dir="t"/>
+    </dgm:scene3d>
+    <dgm:sp3d/>
+    <dgm:txPr/>
+    <dgm:style>
+      <a:lnRef idx="2">
+        <a:scrgbClr r="0" g="0" b="0"/>
+      </a:lnRef>
+      <a:fillRef idx="0">
+        <a:scrgbClr r="0" g="0" b="0"/>
+      </a:fillRef>
+      <a:effectRef idx="0">
+        <a:scrgbClr r="0" g="0" b="0"/>
+      </a:effectRef>
+      <a:fontRef idx="minor"/>
+    </dgm:style>
+  </dgm:styleLbl>
+  <dgm:styleLbl name="parChTrans1D4">
+    <dgm:scene3d>
+      <a:camera prst="orthographicFront"/>
+      <a:lightRig rig="threePt" dir="t"/>
+    </dgm:scene3d>
+    <dgm:sp3d/>
+    <dgm:txPr/>
+    <dgm:style>
+      <a:lnRef idx="2">
+        <a:scrgbClr r="0" g="0" b="0"/>
+      </a:lnRef>
+      <a:fillRef idx="0">
+        <a:scrgbClr r="0" g="0" b="0"/>
+      </a:fillRef>
+      <a:effectRef idx="0">
+        <a:scrgbClr r="0" g="0" b="0"/>
+      </a:effectRef>
+      <a:fontRef idx="minor"/>
+    </dgm:style>
+  </dgm:styleLbl>
+  <dgm:styleLbl name="fgAcc1">
+    <dgm:scene3d>
+      <a:camera prst="orthographicFront"/>
+      <a:lightRig rig="threePt" dir="t"/>
+    </dgm:scene3d>
+    <dgm:sp3d/>
+    <dgm:txPr/>
+    <dgm:style>
+      <a:lnRef idx="2">
+        <a:scrgbClr r="0" g="0" b="0"/>
+      </a:lnRef>
+      <a:fillRef idx="1">
+        <a:scrgbClr r="0" g="0" b="0"/>
+      </a:fillRef>
+      <a:effectRef idx="0">
+        <a:scrgbClr r="0" g="0" b="0"/>
+      </a:effectRef>
+      <a:fontRef idx="minor"/>
+    </dgm:style>
+  </dgm:styleLbl>
+  <dgm:styleLbl name="conFgAcc1">
+    <dgm:scene3d>
+      <a:camera prst="orthographicFront"/>
+      <a:lightRig rig="threePt" dir="t"/>
+    </dgm:scene3d>
+    <dgm:sp3d/>
+    <dgm:txPr/>
+    <dgm:style>
+      <a:lnRef idx="2">
+        <a:scrgbClr r="0" g="0" b="0"/>
+      </a:lnRef>
+      <a:fillRef idx="1">
+        <a:scrgbClr r="0" g="0" b="0"/>
+      </a:fillRef>
+      <a:effectRef idx="0">
+        <a:scrgbClr r="0" g="0" b="0"/>
+      </a:effectRef>
+      <a:fontRef idx="minor"/>
+    </dgm:style>
+  </dgm:styleLbl>
+  <dgm:styleLbl name="alignAcc1">
+    <dgm:scene3d>
+      <a:camera prst="orthographicFront"/>
+      <a:lightRig rig="threePt" dir="t"/>
+    </dgm:scene3d>
+    <dgm:sp3d/>
+    <dgm:txPr/>
+    <dgm:style>
+      <a:lnRef idx="2">
+        <a:scrgbClr r="0" g="0" b="0"/>
+      </a:lnRef>
+      <a:fillRef idx="1">
+        <a:scrgbClr r="0" g="0" b="0"/>
+      </a:fillRef>
+      <a:effectRef idx="0">
+        <a:scrgbClr r="0" g="0" b="0"/>
+      </a:effectRef>
+      <a:fontRef idx="minor"/>
+    </dgm:style>
+  </dgm:styleLbl>
+  <dgm:styleLbl name="trAlignAcc1">
+    <dgm:scene3d>
+      <a:camera prst="orthographicFront"/>
+      <a:lightRig rig="threePt" dir="t"/>
+    </dgm:scene3d>
+    <dgm:sp3d/>
+    <dgm:txPr/>
+    <dgm:style>
+      <a:lnRef idx="1">
+        <a:scrgbClr r="0" g="0" b="0"/>
+      </a:lnRef>
+      <a:fillRef idx="1">
+        <a:scrgbClr r="0" g="0" b="0"/>
+      </a:fillRef>
+      <a:effectRef idx="0">
+        <a:scrgbClr r="0" g="0" b="0"/>
+      </a:effectRef>
+      <a:fontRef idx="minor"/>
+    </dgm:style>
+  </dgm:styleLbl>
+  <dgm:styleLbl name="bgAcc1">
+    <dgm:scene3d>
+      <a:camera prst="orthographicFront"/>
+      <a:lightRig rig="threePt" dir="t"/>
+    </dgm:scene3d>
+    <dgm:sp3d/>
+    <dgm:txPr/>
+    <dgm:style>
+      <a:lnRef idx="2">
+        <a:scrgbClr r="0" g="0" b="0"/>
+      </a:lnRef>
+      <a:fillRef idx="1">
+        <a:scrgbClr r="0" g="0" b="0"/>
+      </a:fillRef>
+      <a:effectRef idx="0">
+        <a:scrgbClr r="0" g="0" b="0"/>
+      </a:effectRef>
+      <a:fontRef idx="minor"/>
+    </dgm:style>
+  </dgm:styleLbl>
+  <dgm:styleLbl name="solidFgAcc1">
+    <dgm:scene3d>
+      <a:camera prst="orthographicFront"/>
+      <a:lightRig rig="threePt" dir="t"/>
+    </dgm:scene3d>
+    <dgm:sp3d/>
+    <dgm:txPr/>
+    <dgm:style>
+      <a:lnRef idx="2">
+        <a:scrgbClr r="0" g="0" b="0"/>
+      </a:lnRef>
+      <a:fillRef idx="1">
+        <a:scrgbClr r="0" g="0" b="0"/>
+      </a:fillRef>
+      <a:effectRef idx="0">
+        <a:scrgbClr r="0" g="0" b="0"/>
+      </a:effectRef>
+      <a:fontRef idx="minor"/>
+    </dgm:style>
+  </dgm:styleLbl>
+  <dgm:styleLbl name="solidAlignAcc1">
+    <dgm:scene3d>
+      <a:camera prst="orthographicFront"/>
+      <a:lightRig rig="threePt" dir="t"/>
+    </dgm:scene3d>
+    <dgm:sp3d/>
+    <dgm:txPr/>
+    <dgm:style>
+      <a:lnRef idx="2">
+        <a:scrgbClr r="0" g="0" b="0"/>
+      </a:lnRef>
+      <a:fillRef idx="1">
+        <a:scrgbClr r="0" g="0" b="0"/>
+      </a:fillRef>
+      <a:effectRef idx="0">
+        <a:scrgbClr r="0" g="0" b="0"/>
+      </a:effectRef>
+      <a:fontRef idx="minor"/>
+    </dgm:style>
+  </dgm:styleLbl>
+  <dgm:styleLbl name="solidBgAcc1">
+    <dgm:scene3d>
+      <a:camera prst="orthographicFront"/>
+      <a:lightRig rig="threePt" dir="t"/>
+    </dgm:scene3d>
+    <dgm:sp3d/>
+    <dgm:txPr/>
+    <dgm:style>
+      <a:lnRef idx="2">
+        <a:scrgbClr r="0" g="0" b="0"/>
+      </a:lnRef>
+      <a:fillRef idx="1">
+        <a:scrgbClr r="0" g="0" b="0"/>
+      </a:fillRef>
+      <a:effectRef idx="0">
+        <a:scrgbClr r="0" g="0" b="0"/>
+      </a:effectRef>
+      <a:fontRef idx="minor"/>
+    </dgm:style>
+  </dgm:styleLbl>
+  <dgm:styleLbl name="fgAccFollowNode1">
+    <dgm:scene3d>
+      <a:camera prst="orthographicFront"/>
+      <a:lightRig rig="threePt" dir="t"/>
+    </dgm:scene3d>
+    <dgm:sp3d/>
+    <dgm:txPr/>
+    <dgm:style>
+      <a:lnRef idx="2">
+        <a:scrgbClr r="0" g="0" b="0"/>
+      </a:lnRef>
+      <a:fillRef idx="1">
+        <a:scrgbClr r="0" g="0" b="0"/>
+      </a:fillRef>
+      <a:effectRef idx="0">
+        <a:scrgbClr r="0" g="0" b="0"/>
+      </a:effectRef>
+      <a:fontRef idx="minor"/>
+    </dgm:style>
+  </dgm:styleLbl>
+  <dgm:styleLbl name="alignAccFollowNode1">
+    <dgm:scene3d>
+      <a:camera prst="orthographicFront"/>
+      <a:lightRig rig="threePt" dir="t"/>
+    </dgm:scene3d>
+    <dgm:sp3d/>
+    <dgm:txPr/>
+    <dgm:style>
+      <a:lnRef idx="2">
+        <a:scrgbClr r="0" g="0" b="0"/>
+      </a:lnRef>
+      <a:fillRef idx="1">
+        <a:scrgbClr r="0" g="0" b="0"/>
+      </a:fillRef>
+      <a:effectRef idx="0">
+        <a:scrgbClr r="0" g="0" b="0"/>
+      </a:effectRef>
+      <a:fontRef idx="minor"/>
+    </dgm:style>
+  </dgm:styleLbl>
+  <dgm:styleLbl name="bgAccFollowNode1">
+    <dgm:scene3d>
+      <a:camera prst="orthographicFront"/>
+      <a:lightRig rig="threePt" dir="t"/>
+    </dgm:scene3d>
+    <dgm:sp3d/>
+    <dgm:txPr/>
+    <dgm:style>
+      <a:lnRef idx="2">
+        <a:scrgbClr r="0" g="0" b="0"/>
+      </a:lnRef>
+      <a:fillRef idx="1">
+        <a:scrgbClr r="0" g="0" b="0"/>
+      </a:fillRef>
+      <a:effectRef idx="0">
+        <a:scrgbClr r="0" g="0" b="0"/>
+      </a:effectRef>
+      <a:fontRef idx="minor"/>
+    </dgm:style>
+  </dgm:styleLbl>
+  <dgm:styleLbl name="fgAcc0">
+    <dgm:scene3d>
+      <a:camera prst="orthographicFront"/>
+      <a:lightRig rig="threePt" dir="t"/>
+    </dgm:scene3d>
+    <dgm:sp3d/>
+    <dgm:txPr/>
+    <dgm:style>
+      <a:lnRef idx="2">
+        <a:scrgbClr r="0" g="0" b="0"/>
+      </a:lnRef>
+      <a:fillRef idx="1">
+        <a:scrgbClr r="0" g="0" b="0"/>
+      </a:fillRef>
+      <a:effectRef idx="0">
+        <a:scrgbClr r="0" g="0" b="0"/>
+      </a:effectRef>
+      <a:fontRef idx="minor"/>
+    </dgm:style>
+  </dgm:styleLbl>
+  <dgm:styleLbl name="fgAcc2">
+    <dgm:scene3d>
+      <a:camera prst="orthographicFront"/>
+      <a:lightRig rig="threePt" dir="t"/>
+    </dgm:scene3d>
+    <dgm:sp3d/>
+    <dgm:txPr/>
+    <dgm:style>
+      <a:lnRef idx="2">
+        <a:scrgbClr r="0" g="0" b="0"/>
+      </a:lnRef>
+      <a:fillRef idx="1">
+        <a:scrgbClr r="0" g="0" b="0"/>
+      </a:fillRef>
+      <a:effectRef idx="0">
+        <a:scrgbClr r="0" g="0" b="0"/>
+      </a:effectRef>
+      <a:fontRef idx="minor"/>
+    </dgm:style>
+  </dgm:styleLbl>
+  <dgm:styleLbl name="fgAcc3">
+    <dgm:scene3d>
+      <a:camera prst="orthographicFront"/>
+      <a:lightRig rig="threePt" dir="t"/>
+    </dgm:scene3d>
+    <dgm:sp3d/>
+    <dgm:txPr/>
+    <dgm:style>
+      <a:lnRef idx="2">
+        <a:scrgbClr r="0" g="0" b="0"/>
+      </a:lnRef>
+      <a:fillRef idx="1">
+        <a:scrgbClr r="0" g="0" b="0"/>
+      </a:fillRef>
+      <a:effectRef idx="0">
+        <a:scrgbClr r="0" g="0" b="0"/>
+      </a:effectRef>
+      <a:fontRef idx="minor"/>
+    </dgm:style>
+  </dgm:styleLbl>
+  <dgm:styleLbl name="fgAcc4">
+    <dgm:scene3d>
+      <a:camera prst="orthographicFront"/>
+      <a:lightRig rig="threePt" dir="t"/>
+    </dgm:scene3d>
+    <dgm:sp3d/>
+    <dgm:txPr/>
+    <dgm:style>
+      <a:lnRef idx="2">
+        <a:scrgbClr r="0" g="0" b="0"/>
+      </a:lnRef>
+      <a:fillRef idx="1">
+        <a:scrgbClr r="0" g="0" b="0"/>
+      </a:fillRef>
+      <a:effectRef idx="0">
+        <a:scrgbClr r="0" g="0" b="0"/>
+      </a:effectRef>
+      <a:fontRef idx="minor"/>
+    </dgm:style>
+  </dgm:styleLbl>
+  <dgm:styleLbl name="bgShp">
+    <dgm:scene3d>
+      <a:camera prst="orthographicFront"/>
+      <a:lightRig rig="threePt" dir="t"/>
+    </dgm:scene3d>
+    <dgm:sp3d/>
+    <dgm:txPr/>
+    <dgm:style>
+      <a:lnRef idx="0">
+        <a:scrgbClr r="0" g="0" b="0"/>
+      </a:lnRef>
+      <a:fillRef idx="1">
+        <a:scrgbClr r="0" g="0" b="0"/>
+      </a:fillRef>
+      <a:effectRef idx="0">
+        <a:scrgbClr r="0" g="0" b="0"/>
+      </a:effectRef>
+      <a:fontRef idx="minor"/>
+    </dgm:style>
+  </dgm:styleLbl>
+  <dgm:styleLbl name="dkBgShp">
+    <dgm:scene3d>
+      <a:camera prst="orthographicFront"/>
+      <a:lightRig rig="threePt" dir="t"/>
+    </dgm:scene3d>
+    <dgm:sp3d/>
+    <dgm:txPr/>
+    <dgm:style>
+      <a:lnRef idx="0">
+        <a:scrgbClr r="0" g="0" b="0"/>
+      </a:lnRef>
+      <a:fillRef idx="1">
+        <a:scrgbClr r="0" g="0" b="0"/>
+      </a:fillRef>
+      <a:effectRef idx="0">
+        <a:scrgbClr r="0" g="0" b="0"/>
+      </a:effectRef>
+      <a:fontRef idx="minor"/>
+    </dgm:style>
+  </dgm:styleLbl>
+  <dgm:styleLbl name="trBgShp">
+    <dgm:scene3d>
+      <a:camera prst="orthographicFront"/>
+      <a:lightRig rig="threePt" dir="t"/>
+    </dgm:scene3d>
+    <dgm:sp3d/>
+    <dgm:txPr/>
+    <dgm:style>
+      <a:lnRef idx="0">
+        <a:scrgbClr r="0" g="0" b="0"/>
+      </a:lnRef>
+      <a:fillRef idx="1">
+        <a:scrgbClr r="0" g="0" b="0"/>
+      </a:fillRef>
+      <a:effectRef idx="0">
+        <a:scrgbClr r="0" g="0" b="0"/>
+      </a:effectRef>
+      <a:fontRef idx="minor"/>
+    </dgm:style>
+  </dgm:styleLbl>
+  <dgm:styleLbl name="fgShp">
+    <dgm:scene3d>
+      <a:camera prst="orthographicFront"/>
+      <a:lightRig rig="threePt" dir="t"/>
+    </dgm:scene3d>
+    <dgm:sp3d/>
+    <dgm:txPr/>
+    <dgm:style>
+      <a:lnRef idx="2">
+        <a:scrgbClr r="0" g="0" b="0"/>
+      </a:lnRef>
+      <a:fillRef idx="1">
+        <a:scrgbClr r="0" g="0" b="0"/>
+      </a:fillRef>
+      <a:effectRef idx="0">
+        <a:scrgbClr r="0" g="0" b="0"/>
+      </a:effectRef>
+      <a:fontRef idx="minor"/>
+    </dgm:style>
+  </dgm:styleLbl>
+  <dgm:styleLbl name="revTx">
+    <dgm:scene3d>
+      <a:camera prst="orthographicFront"/>
+      <a:lightRig rig="threePt" dir="t"/>
+    </dgm:scene3d>
+    <dgm:sp3d/>
+    <dgm:txPr/>
+    <dgm:style>
+      <a:lnRef idx="0">
+        <a:scrgbClr r="0" g="0" b="0"/>
+      </a:lnRef>
+      <a:fillRef idx="0">
+        <a:scrgbClr r="0" g="0" b="0"/>
+      </a:fillRef>
+      <a:effectRef idx="0">
+        <a:scrgbClr r="0" g="0" b="0"/>
+      </a:effectRef>
+      <a:fontRef idx="minor"/>
+    </dgm:style>
+  </dgm:styleLbl>
+</dgm:styleDef>
 </file>
 
 <file path=ppt/slideLayouts/slideLayout1.xml><?xml version="1.0" encoding="utf-8"?>
@@ -166,7 +3566,7 @@
           <a:noFill/>
           <a:extLst>
             <a:ext uri="{909E8E84-426E-40dd-AFC4-6F175D3DCCD1}">
-              <a14:hiddenFill xmlns:a14="http://schemas.microsoft.com/office/drawing/2010/main" xmlns="">
+              <a14:hiddenFill xmlns="" xmlns:a14="http://schemas.microsoft.com/office/drawing/2010/main">
                 <a:solidFill>
                   <a:srgbClr val="FFFFFF"/>
                 </a:solidFill>
@@ -226,7 +3626,7 @@
             </a:ln>
             <a:extLst>
               <a:ext uri="{91240B29-F687-4f45-9708-019B960494DF}">
-                <a14:hiddenLine xmlns:a14="http://schemas.microsoft.com/office/drawing/2010/main" xmlns="" w="9525">
+                <a14:hiddenLine xmlns="" xmlns:a14="http://schemas.microsoft.com/office/drawing/2010/main" w="9525">
                   <a:solidFill>
                     <a:srgbClr val="000000"/>
                   </a:solidFill>
@@ -316,7 +3716,7 @@
             </a:ln>
             <a:extLst>
               <a:ext uri="{91240B29-F687-4f45-9708-019B960494DF}">
-                <a14:hiddenLine xmlns:a14="http://schemas.microsoft.com/office/drawing/2010/main" xmlns="" w="9525">
+                <a14:hiddenLine xmlns="" xmlns:a14="http://schemas.microsoft.com/office/drawing/2010/main" w="9525">
                   <a:solidFill>
                     <a:srgbClr val="000000"/>
                   </a:solidFill>
@@ -406,7 +3806,7 @@
             </a:ln>
             <a:extLst>
               <a:ext uri="{91240B29-F687-4f45-9708-019B960494DF}">
-                <a14:hiddenLine xmlns:a14="http://schemas.microsoft.com/office/drawing/2010/main" xmlns="" w="9525">
+                <a14:hiddenLine xmlns="" xmlns:a14="http://schemas.microsoft.com/office/drawing/2010/main" w="9525">
                   <a:solidFill>
                     <a:srgbClr val="000000"/>
                   </a:solidFill>
@@ -440,7 +3840,7 @@
             </a:ln>
             <a:extLst>
               <a:ext uri="{91240B29-F687-4f45-9708-019B960494DF}">
-                <a14:hiddenLine xmlns:a14="http://schemas.microsoft.com/office/drawing/2010/main" xmlns="" w="9525">
+                <a14:hiddenLine xmlns="" xmlns:a14="http://schemas.microsoft.com/office/drawing/2010/main" w="9525">
                   <a:solidFill>
                     <a:srgbClr val="000000"/>
                   </a:solidFill>
@@ -530,7 +3930,7 @@
             </a:ln>
             <a:extLst>
               <a:ext uri="{91240B29-F687-4f45-9708-019B960494DF}">
-                <a14:hiddenLine xmlns:a14="http://schemas.microsoft.com/office/drawing/2010/main" xmlns="" w="9525">
+                <a14:hiddenLine xmlns="" xmlns:a14="http://schemas.microsoft.com/office/drawing/2010/main" w="9525">
                   <a:solidFill>
                     <a:srgbClr val="000000"/>
                   </a:solidFill>
@@ -592,7 +3992,7 @@
             </a:ln>
             <a:extLst>
               <a:ext uri="{91240B29-F687-4f45-9708-019B960494DF}">
-                <a14:hiddenLine xmlns:a14="http://schemas.microsoft.com/office/drawing/2010/main" xmlns="" w="9525">
+                <a14:hiddenLine xmlns="" xmlns:a14="http://schemas.microsoft.com/office/drawing/2010/main" w="9525">
                   <a:solidFill>
                     <a:srgbClr val="000000"/>
                   </a:solidFill>
@@ -654,7 +4054,7 @@
             </a:ln>
             <a:extLst>
               <a:ext uri="{91240B29-F687-4f45-9708-019B960494DF}">
-                <a14:hiddenLine xmlns:a14="http://schemas.microsoft.com/office/drawing/2010/main" xmlns="" w="9525">
+                <a14:hiddenLine xmlns="" xmlns:a14="http://schemas.microsoft.com/office/drawing/2010/main" w="9525">
                   <a:solidFill>
                     <a:srgbClr val="000000"/>
                   </a:solidFill>
@@ -744,7 +4144,7 @@
             </a:ln>
             <a:extLst>
               <a:ext uri="{91240B29-F687-4f45-9708-019B960494DF}">
-                <a14:hiddenLine xmlns:a14="http://schemas.microsoft.com/office/drawing/2010/main" xmlns="" w="9525">
+                <a14:hiddenLine xmlns="" xmlns:a14="http://schemas.microsoft.com/office/drawing/2010/main" w="9525">
                   <a:solidFill>
                     <a:srgbClr val="000000"/>
                   </a:solidFill>
@@ -806,7 +4206,7 @@
             </a:ln>
             <a:extLst>
               <a:ext uri="{91240B29-F687-4f45-9708-019B960494DF}">
-                <a14:hiddenLine xmlns:a14="http://schemas.microsoft.com/office/drawing/2010/main" xmlns="" w="9525">
+                <a14:hiddenLine xmlns="" xmlns:a14="http://schemas.microsoft.com/office/drawing/2010/main" w="9525">
                   <a:solidFill>
                     <a:srgbClr val="000000"/>
                   </a:solidFill>
@@ -868,7 +4268,7 @@
             </a:ln>
             <a:extLst>
               <a:ext uri="{91240B29-F687-4f45-9708-019B960494DF}">
-                <a14:hiddenLine xmlns:a14="http://schemas.microsoft.com/office/drawing/2010/main" xmlns="" w="9525">
+                <a14:hiddenLine xmlns="" xmlns:a14="http://schemas.microsoft.com/office/drawing/2010/main" w="9525">
                   <a:solidFill>
                     <a:srgbClr val="000000"/>
                   </a:solidFill>
@@ -958,7 +4358,7 @@
             </a:ln>
             <a:extLst>
               <a:ext uri="{91240B29-F687-4f45-9708-019B960494DF}">
-                <a14:hiddenLine xmlns:a14="http://schemas.microsoft.com/office/drawing/2010/main" xmlns="" w="9525">
+                <a14:hiddenLine xmlns="" xmlns:a14="http://schemas.microsoft.com/office/drawing/2010/main" w="9525">
                   <a:solidFill>
                     <a:srgbClr val="000000"/>
                   </a:solidFill>
@@ -1048,7 +4448,7 @@
             </a:ln>
             <a:extLst>
               <a:ext uri="{91240B29-F687-4f45-9708-019B960494DF}">
-                <a14:hiddenLine xmlns:a14="http://schemas.microsoft.com/office/drawing/2010/main" xmlns="" w="9525">
+                <a14:hiddenLine xmlns="" xmlns:a14="http://schemas.microsoft.com/office/drawing/2010/main" w="9525">
                   <a:solidFill>
                     <a:srgbClr val="000000"/>
                   </a:solidFill>
@@ -1110,7 +4510,7 @@
             </a:ln>
             <a:extLst>
               <a:ext uri="{91240B29-F687-4f45-9708-019B960494DF}">
-                <a14:hiddenLine xmlns:a14="http://schemas.microsoft.com/office/drawing/2010/main" xmlns="" w="9525">
+                <a14:hiddenLine xmlns="" xmlns:a14="http://schemas.microsoft.com/office/drawing/2010/main" w="9525">
                   <a:solidFill>
                     <a:srgbClr val="000000"/>
                   </a:solidFill>
@@ -1220,7 +4620,7 @@
             </a:ln>
             <a:extLst>
               <a:ext uri="{91240B29-F687-4f45-9708-019B960494DF}">
-                <a14:hiddenLine xmlns:a14="http://schemas.microsoft.com/office/drawing/2010/main" xmlns="" w="9525">
+                <a14:hiddenLine xmlns="" xmlns:a14="http://schemas.microsoft.com/office/drawing/2010/main" w="9525">
                   <a:solidFill>
                     <a:srgbClr val="000000"/>
                   </a:solidFill>
@@ -1282,7 +4682,7 @@
             </a:ln>
             <a:extLst>
               <a:ext uri="{91240B29-F687-4f45-9708-019B960494DF}">
-                <a14:hiddenLine xmlns:a14="http://schemas.microsoft.com/office/drawing/2010/main" xmlns="" w="9525">
+                <a14:hiddenLine xmlns="" xmlns:a14="http://schemas.microsoft.com/office/drawing/2010/main" w="9525">
                   <a:solidFill>
                     <a:srgbClr val="000000"/>
                   </a:solidFill>
@@ -1372,7 +4772,7 @@
             </a:ln>
             <a:extLst>
               <a:ext uri="{91240B29-F687-4f45-9708-019B960494DF}">
-                <a14:hiddenLine xmlns:a14="http://schemas.microsoft.com/office/drawing/2010/main" xmlns="" w="9525">
+                <a14:hiddenLine xmlns="" xmlns:a14="http://schemas.microsoft.com/office/drawing/2010/main" w="9525">
                   <a:solidFill>
                     <a:srgbClr val="000000"/>
                   </a:solidFill>
@@ -1462,7 +4862,7 @@
             </a:ln>
             <a:extLst>
               <a:ext uri="{91240B29-F687-4f45-9708-019B960494DF}">
-                <a14:hiddenLine xmlns:a14="http://schemas.microsoft.com/office/drawing/2010/main" xmlns="" w="9525">
+                <a14:hiddenLine xmlns="" xmlns:a14="http://schemas.microsoft.com/office/drawing/2010/main" w="9525">
                   <a:solidFill>
                     <a:srgbClr val="000000"/>
                   </a:solidFill>
@@ -1524,7 +4924,7 @@
             </a:ln>
             <a:extLst>
               <a:ext uri="{91240B29-F687-4f45-9708-019B960494DF}">
-                <a14:hiddenLine xmlns:a14="http://schemas.microsoft.com/office/drawing/2010/main" xmlns="" w="9525">
+                <a14:hiddenLine xmlns="" xmlns:a14="http://schemas.microsoft.com/office/drawing/2010/main" w="9525">
                   <a:solidFill>
                     <a:srgbClr val="000000"/>
                   </a:solidFill>
@@ -1614,7 +5014,7 @@
             </a:ln>
             <a:extLst>
               <a:ext uri="{91240B29-F687-4f45-9708-019B960494DF}">
-                <a14:hiddenLine xmlns:a14="http://schemas.microsoft.com/office/drawing/2010/main" xmlns="" w="9525">
+                <a14:hiddenLine xmlns="" xmlns:a14="http://schemas.microsoft.com/office/drawing/2010/main" w="9525">
                   <a:solidFill>
                     <a:srgbClr val="000000"/>
                   </a:solidFill>
@@ -1704,7 +5104,7 @@
             </a:ln>
             <a:extLst>
               <a:ext uri="{91240B29-F687-4f45-9708-019B960494DF}">
-                <a14:hiddenLine xmlns:a14="http://schemas.microsoft.com/office/drawing/2010/main" xmlns="" w="9525">
+                <a14:hiddenLine xmlns="" xmlns:a14="http://schemas.microsoft.com/office/drawing/2010/main" w="9525">
                   <a:solidFill>
                     <a:srgbClr val="000000"/>
                   </a:solidFill>
@@ -1760,7 +5160,7 @@
             </a:ln>
             <a:extLst>
               <a:ext uri="{91240B29-F687-4f45-9708-019B960494DF}">
-                <a14:hiddenLine xmlns:a14="http://schemas.microsoft.com/office/drawing/2010/main" xmlns="" w="9525">
+                <a14:hiddenLine xmlns="" xmlns:a14="http://schemas.microsoft.com/office/drawing/2010/main" w="9525">
                   <a:solidFill>
                     <a:srgbClr val="000000"/>
                   </a:solidFill>
@@ -1850,7 +5250,7 @@
             </a:ln>
             <a:extLst>
               <a:ext uri="{91240B29-F687-4f45-9708-019B960494DF}">
-                <a14:hiddenLine xmlns:a14="http://schemas.microsoft.com/office/drawing/2010/main" xmlns="" w="9525">
+                <a14:hiddenLine xmlns="" xmlns:a14="http://schemas.microsoft.com/office/drawing/2010/main" w="9525">
                   <a:solidFill>
                     <a:srgbClr val="000000"/>
                   </a:solidFill>
@@ -1906,7 +5306,7 @@
             </a:ln>
             <a:extLst>
               <a:ext uri="{91240B29-F687-4f45-9708-019B960494DF}">
-                <a14:hiddenLine xmlns:a14="http://schemas.microsoft.com/office/drawing/2010/main" xmlns="" w="9525">
+                <a14:hiddenLine xmlns="" xmlns:a14="http://schemas.microsoft.com/office/drawing/2010/main" w="9525">
                   <a:solidFill>
                     <a:srgbClr val="000000"/>
                   </a:solidFill>
@@ -1996,7 +5396,7 @@
             </a:ln>
             <a:extLst>
               <a:ext uri="{91240B29-F687-4f45-9708-019B960494DF}">
-                <a14:hiddenLine xmlns:a14="http://schemas.microsoft.com/office/drawing/2010/main" xmlns="" w="9525">
+                <a14:hiddenLine xmlns="" xmlns:a14="http://schemas.microsoft.com/office/drawing/2010/main" w="9525">
                   <a:solidFill>
                     <a:srgbClr val="000000"/>
                   </a:solidFill>
@@ -2064,7 +5464,7 @@
             </a:ln>
             <a:extLst>
               <a:ext uri="{91240B29-F687-4f45-9708-019B960494DF}">
-                <a14:hiddenLine xmlns:a14="http://schemas.microsoft.com/office/drawing/2010/main" xmlns="" w="9525">
+                <a14:hiddenLine xmlns="" xmlns:a14="http://schemas.microsoft.com/office/drawing/2010/main" w="9525">
                   <a:solidFill>
                     <a:srgbClr val="000000"/>
                   </a:solidFill>
@@ -2154,7 +5554,7 @@
             </a:ln>
             <a:extLst>
               <a:ext uri="{91240B29-F687-4f45-9708-019B960494DF}">
-                <a14:hiddenLine xmlns:a14="http://schemas.microsoft.com/office/drawing/2010/main" xmlns="" w="9525">
+                <a14:hiddenLine xmlns="" xmlns:a14="http://schemas.microsoft.com/office/drawing/2010/main" w="9525">
                   <a:solidFill>
                     <a:srgbClr val="000000"/>
                   </a:solidFill>
@@ -2222,7 +5622,7 @@
             </a:ln>
             <a:extLst>
               <a:ext uri="{91240B29-F687-4f45-9708-019B960494DF}">
-                <a14:hiddenLine xmlns:a14="http://schemas.microsoft.com/office/drawing/2010/main" xmlns="" w="9525">
+                <a14:hiddenLine xmlns="" xmlns:a14="http://schemas.microsoft.com/office/drawing/2010/main" w="9525">
                   <a:solidFill>
                     <a:srgbClr val="000000"/>
                   </a:solidFill>
@@ -2312,7 +5712,7 @@
             </a:ln>
             <a:extLst>
               <a:ext uri="{91240B29-F687-4f45-9708-019B960494DF}">
-                <a14:hiddenLine xmlns:a14="http://schemas.microsoft.com/office/drawing/2010/main" xmlns="" w="9525">
+                <a14:hiddenLine xmlns="" xmlns:a14="http://schemas.microsoft.com/office/drawing/2010/main" w="9525">
                   <a:solidFill>
                     <a:srgbClr val="000000"/>
                   </a:solidFill>
@@ -2346,7 +5746,7 @@
             </a:ln>
             <a:extLst>
               <a:ext uri="{91240B29-F687-4f45-9708-019B960494DF}">
-                <a14:hiddenLine xmlns:a14="http://schemas.microsoft.com/office/drawing/2010/main" xmlns="" w="9525">
+                <a14:hiddenLine xmlns="" xmlns:a14="http://schemas.microsoft.com/office/drawing/2010/main" w="9525">
                   <a:solidFill>
                     <a:srgbClr val="000000"/>
                   </a:solidFill>
@@ -2436,7 +5836,7 @@
             </a:ln>
             <a:extLst>
               <a:ext uri="{91240B29-F687-4f45-9708-019B960494DF}">
-                <a14:hiddenLine xmlns:a14="http://schemas.microsoft.com/office/drawing/2010/main" xmlns="" w="9525">
+                <a14:hiddenLine xmlns="" xmlns:a14="http://schemas.microsoft.com/office/drawing/2010/main" w="9525">
                   <a:solidFill>
                     <a:srgbClr val="000000"/>
                   </a:solidFill>
@@ -2498,7 +5898,7 @@
             </a:ln>
             <a:extLst>
               <a:ext uri="{91240B29-F687-4f45-9708-019B960494DF}">
-                <a14:hiddenLine xmlns:a14="http://schemas.microsoft.com/office/drawing/2010/main" xmlns="" w="9525">
+                <a14:hiddenLine xmlns="" xmlns:a14="http://schemas.microsoft.com/office/drawing/2010/main" w="9525">
                   <a:solidFill>
                     <a:srgbClr val="000000"/>
                   </a:solidFill>
@@ -2560,7 +5960,7 @@
             </a:ln>
             <a:extLst>
               <a:ext uri="{91240B29-F687-4f45-9708-019B960494DF}">
-                <a14:hiddenLine xmlns:a14="http://schemas.microsoft.com/office/drawing/2010/main" xmlns="" w="9525">
+                <a14:hiddenLine xmlns="" xmlns:a14="http://schemas.microsoft.com/office/drawing/2010/main" w="9525">
                   <a:solidFill>
                     <a:srgbClr val="000000"/>
                   </a:solidFill>
@@ -2650,7 +6050,7 @@
             </a:ln>
             <a:extLst>
               <a:ext uri="{91240B29-F687-4f45-9708-019B960494DF}">
-                <a14:hiddenLine xmlns:a14="http://schemas.microsoft.com/office/drawing/2010/main" xmlns="" w="9525">
+                <a14:hiddenLine xmlns="" xmlns:a14="http://schemas.microsoft.com/office/drawing/2010/main" w="9525">
                   <a:solidFill>
                     <a:srgbClr val="000000"/>
                   </a:solidFill>
@@ -2718,7 +6118,7 @@
             </a:ln>
             <a:extLst>
               <a:ext uri="{91240B29-F687-4f45-9708-019B960494DF}">
-                <a14:hiddenLine xmlns:a14="http://schemas.microsoft.com/office/drawing/2010/main" xmlns="" w="9525">
+                <a14:hiddenLine xmlns="" xmlns:a14="http://schemas.microsoft.com/office/drawing/2010/main" w="9525">
                   <a:solidFill>
                     <a:srgbClr val="000000"/>
                   </a:solidFill>
@@ -2780,7 +6180,7 @@
             </a:ln>
             <a:extLst>
               <a:ext uri="{91240B29-F687-4f45-9708-019B960494DF}">
-                <a14:hiddenLine xmlns:a14="http://schemas.microsoft.com/office/drawing/2010/main" xmlns="" w="9525">
+                <a14:hiddenLine xmlns="" xmlns:a14="http://schemas.microsoft.com/office/drawing/2010/main" w="9525">
                   <a:solidFill>
                     <a:srgbClr val="000000"/>
                   </a:solidFill>
@@ -2870,7 +6270,7 @@
             </a:ln>
             <a:extLst>
               <a:ext uri="{91240B29-F687-4f45-9708-019B960494DF}">
-                <a14:hiddenLine xmlns:a14="http://schemas.microsoft.com/office/drawing/2010/main" xmlns="" w="9525">
+                <a14:hiddenLine xmlns="" xmlns:a14="http://schemas.microsoft.com/office/drawing/2010/main" w="9525">
                   <a:solidFill>
                     <a:srgbClr val="000000"/>
                   </a:solidFill>
@@ -2932,7 +6332,7 @@
             </a:ln>
             <a:extLst>
               <a:ext uri="{91240B29-F687-4f45-9708-019B960494DF}">
-                <a14:hiddenLine xmlns:a14="http://schemas.microsoft.com/office/drawing/2010/main" xmlns="" w="9525">
+                <a14:hiddenLine xmlns="" xmlns:a14="http://schemas.microsoft.com/office/drawing/2010/main" w="9525">
                   <a:solidFill>
                     <a:srgbClr val="000000"/>
                   </a:solidFill>
@@ -3022,7 +6422,7 @@
             </a:ln>
             <a:extLst>
               <a:ext uri="{91240B29-F687-4f45-9708-019B960494DF}">
-                <a14:hiddenLine xmlns:a14="http://schemas.microsoft.com/office/drawing/2010/main" xmlns="" w="9525">
+                <a14:hiddenLine xmlns="" xmlns:a14="http://schemas.microsoft.com/office/drawing/2010/main" w="9525">
                   <a:solidFill>
                     <a:srgbClr val="000000"/>
                   </a:solidFill>
@@ -3084,7 +6484,7 @@
             </a:ln>
             <a:extLst>
               <a:ext uri="{91240B29-F687-4f45-9708-019B960494DF}">
-                <a14:hiddenLine xmlns:a14="http://schemas.microsoft.com/office/drawing/2010/main" xmlns="" w="9525">
+                <a14:hiddenLine xmlns="" xmlns:a14="http://schemas.microsoft.com/office/drawing/2010/main" w="9525">
                   <a:solidFill>
                     <a:srgbClr val="000000"/>
                   </a:solidFill>
@@ -3174,7 +6574,7 @@
             </a:ln>
             <a:extLst>
               <a:ext uri="{91240B29-F687-4f45-9708-019B960494DF}">
-                <a14:hiddenLine xmlns:a14="http://schemas.microsoft.com/office/drawing/2010/main" xmlns="" w="9525">
+                <a14:hiddenLine xmlns="" xmlns:a14="http://schemas.microsoft.com/office/drawing/2010/main" w="9525">
                   <a:solidFill>
                     <a:srgbClr val="000000"/>
                   </a:solidFill>
@@ -3208,7 +6608,7 @@
             </a:ln>
             <a:extLst>
               <a:ext uri="{91240B29-F687-4f45-9708-019B960494DF}">
-                <a14:hiddenLine xmlns:a14="http://schemas.microsoft.com/office/drawing/2010/main" xmlns="" w="9525">
+                <a14:hiddenLine xmlns="" xmlns:a14="http://schemas.microsoft.com/office/drawing/2010/main" w="9525">
                   <a:solidFill>
                     <a:srgbClr val="000000"/>
                   </a:solidFill>
@@ -3273,7 +6673,7 @@
             </a:ln>
             <a:extLst>
               <a:ext uri="{91240B29-F687-4f45-9708-019B960494DF}">
-                <a14:hiddenLine xmlns:a14="http://schemas.microsoft.com/office/drawing/2010/main" xmlns="" w="9525">
+                <a14:hiddenLine xmlns="" xmlns:a14="http://schemas.microsoft.com/office/drawing/2010/main" w="9525">
                   <a:solidFill>
                     <a:srgbClr val="000000"/>
                   </a:solidFill>
@@ -3363,7 +6763,7 @@
             </a:ln>
             <a:extLst>
               <a:ext uri="{91240B29-F687-4f45-9708-019B960494DF}">
-                <a14:hiddenLine xmlns:a14="http://schemas.microsoft.com/office/drawing/2010/main" xmlns="" w="9525">
+                <a14:hiddenLine xmlns="" xmlns:a14="http://schemas.microsoft.com/office/drawing/2010/main" w="9525">
                   <a:solidFill>
                     <a:srgbClr val="000000"/>
                   </a:solidFill>
@@ -3425,7 +6825,7 @@
             </a:ln>
             <a:extLst>
               <a:ext uri="{91240B29-F687-4f45-9708-019B960494DF}">
-                <a14:hiddenLine xmlns:a14="http://schemas.microsoft.com/office/drawing/2010/main" xmlns="" w="9525">
+                <a14:hiddenLine xmlns="" xmlns:a14="http://schemas.microsoft.com/office/drawing/2010/main" w="9525">
                   <a:solidFill>
                     <a:srgbClr val="000000"/>
                   </a:solidFill>
@@ -3515,7 +6915,7 @@
             </a:ln>
             <a:extLst>
               <a:ext uri="{91240B29-F687-4f45-9708-019B960494DF}">
-                <a14:hiddenLine xmlns:a14="http://schemas.microsoft.com/office/drawing/2010/main" xmlns="" w="9525">
+                <a14:hiddenLine xmlns="" xmlns:a14="http://schemas.microsoft.com/office/drawing/2010/main" w="9525">
                   <a:solidFill>
                     <a:srgbClr val="000000"/>
                   </a:solidFill>
@@ -3605,7 +7005,7 @@
             </a:ln>
             <a:extLst>
               <a:ext uri="{91240B29-F687-4f45-9708-019B960494DF}">
-                <a14:hiddenLine xmlns:a14="http://schemas.microsoft.com/office/drawing/2010/main" xmlns="" w="9525">
+                <a14:hiddenLine xmlns="" xmlns:a14="http://schemas.microsoft.com/office/drawing/2010/main" w="9525">
                   <a:solidFill>
                     <a:srgbClr val="000000"/>
                   </a:solidFill>
@@ -3670,7 +7070,7 @@
             </a:ln>
             <a:extLst>
               <a:ext uri="{91240B29-F687-4f45-9708-019B960494DF}">
-                <a14:hiddenLine xmlns:a14="http://schemas.microsoft.com/office/drawing/2010/main" xmlns="" w="9525">
+                <a14:hiddenLine xmlns="" xmlns:a14="http://schemas.microsoft.com/office/drawing/2010/main" w="9525">
                   <a:solidFill>
                     <a:srgbClr val="000000"/>
                   </a:solidFill>
@@ -3732,7 +7132,7 @@
             </a:ln>
             <a:extLst>
               <a:ext uri="{91240B29-F687-4f45-9708-019B960494DF}">
-                <a14:hiddenLine xmlns:a14="http://schemas.microsoft.com/office/drawing/2010/main" xmlns="" w="9525">
+                <a14:hiddenLine xmlns="" xmlns:a14="http://schemas.microsoft.com/office/drawing/2010/main" w="9525">
                   <a:solidFill>
                     <a:srgbClr val="000000"/>
                   </a:solidFill>
@@ -3822,7 +7222,7 @@
             </a:ln>
             <a:extLst>
               <a:ext uri="{91240B29-F687-4f45-9708-019B960494DF}">
-                <a14:hiddenLine xmlns:a14="http://schemas.microsoft.com/office/drawing/2010/main" xmlns="" w="9525">
+                <a14:hiddenLine xmlns="" xmlns:a14="http://schemas.microsoft.com/office/drawing/2010/main" w="9525">
                   <a:solidFill>
                     <a:srgbClr val="000000"/>
                   </a:solidFill>
@@ -3912,7 +7312,7 @@
             </a:ln>
             <a:extLst>
               <a:ext uri="{91240B29-F687-4f45-9708-019B960494DF}">
-                <a14:hiddenLine xmlns:a14="http://schemas.microsoft.com/office/drawing/2010/main" xmlns="" w="9525">
+                <a14:hiddenLine xmlns="" xmlns:a14="http://schemas.microsoft.com/office/drawing/2010/main" w="9525">
                   <a:solidFill>
                     <a:srgbClr val="000000"/>
                   </a:solidFill>
@@ -3974,7 +7374,7 @@
             </a:ln>
             <a:extLst>
               <a:ext uri="{91240B29-F687-4f45-9708-019B960494DF}">
-                <a14:hiddenLine xmlns:a14="http://schemas.microsoft.com/office/drawing/2010/main" xmlns="" w="9525">
+                <a14:hiddenLine xmlns="" xmlns:a14="http://schemas.microsoft.com/office/drawing/2010/main" w="9525">
                   <a:solidFill>
                     <a:srgbClr val="000000"/>
                   </a:solidFill>
@@ -4094,7 +7494,7 @@
             </a:ln>
             <a:extLst>
               <a:ext uri="{91240B29-F687-4f45-9708-019B960494DF}">
-                <a14:hiddenLine xmlns:a14="http://schemas.microsoft.com/office/drawing/2010/main" xmlns="" w="9525">
+                <a14:hiddenLine xmlns="" xmlns:a14="http://schemas.microsoft.com/office/drawing/2010/main" w="9525">
                   <a:solidFill>
                     <a:srgbClr val="000000"/>
                   </a:solidFill>
@@ -4162,7 +7562,7 @@
             </a:ln>
             <a:extLst>
               <a:ext uri="{91240B29-F687-4f45-9708-019B960494DF}">
-                <a14:hiddenLine xmlns:a14="http://schemas.microsoft.com/office/drawing/2010/main" xmlns="" w="9525">
+                <a14:hiddenLine xmlns="" xmlns:a14="http://schemas.microsoft.com/office/drawing/2010/main" w="9525">
                   <a:solidFill>
                     <a:srgbClr val="000000"/>
                   </a:solidFill>
@@ -4252,7 +7652,7 @@
             </a:ln>
             <a:extLst>
               <a:ext uri="{91240B29-F687-4f45-9708-019B960494DF}">
-                <a14:hiddenLine xmlns:a14="http://schemas.microsoft.com/office/drawing/2010/main" xmlns="" w="9525">
+                <a14:hiddenLine xmlns="" xmlns:a14="http://schemas.microsoft.com/office/drawing/2010/main" w="9525">
                   <a:solidFill>
                     <a:srgbClr val="000000"/>
                   </a:solidFill>
@@ -9059,7 +12459,7 @@
           <a:noFill/>
           <a:extLst>
             <a:ext uri="{909E8E84-426E-40dd-AFC4-6F175D3DCCD1}">
-              <a14:hiddenFill xmlns:a14="http://schemas.microsoft.com/office/drawing/2010/main" xmlns="">
+              <a14:hiddenFill xmlns="" xmlns:a14="http://schemas.microsoft.com/office/drawing/2010/main">
                 <a:solidFill>
                   <a:srgbClr val="FFFFFF"/>
                 </a:solidFill>
@@ -9133,7 +12533,7 @@
               </a:ln>
               <a:extLst>
                 <a:ext uri="{91240B29-F687-4f45-9708-019B960494DF}">
-                  <a14:hiddenLine xmlns:a14="http://schemas.microsoft.com/office/drawing/2010/main" xmlns="" w="9525">
+                  <a14:hiddenLine xmlns="" xmlns:a14="http://schemas.microsoft.com/office/drawing/2010/main" w="9525">
                     <a:solidFill>
                       <a:srgbClr val="000000"/>
                     </a:solidFill>
@@ -9223,7 +12623,7 @@
               </a:ln>
               <a:extLst>
                 <a:ext uri="{91240B29-F687-4f45-9708-019B960494DF}">
-                  <a14:hiddenLine xmlns:a14="http://schemas.microsoft.com/office/drawing/2010/main" xmlns="" w="9525">
+                  <a14:hiddenLine xmlns="" xmlns:a14="http://schemas.microsoft.com/office/drawing/2010/main" w="9525">
                     <a:solidFill>
                       <a:srgbClr val="000000"/>
                     </a:solidFill>
@@ -9313,7 +12713,7 @@
               </a:ln>
               <a:extLst>
                 <a:ext uri="{91240B29-F687-4f45-9708-019B960494DF}">
-                  <a14:hiddenLine xmlns:a14="http://schemas.microsoft.com/office/drawing/2010/main" xmlns="" w="9525">
+                  <a14:hiddenLine xmlns="" xmlns:a14="http://schemas.microsoft.com/office/drawing/2010/main" w="9525">
                     <a:solidFill>
                       <a:srgbClr val="000000"/>
                     </a:solidFill>
@@ -9375,7 +12775,7 @@
               </a:ln>
               <a:extLst>
                 <a:ext uri="{91240B29-F687-4f45-9708-019B960494DF}">
-                  <a14:hiddenLine xmlns:a14="http://schemas.microsoft.com/office/drawing/2010/main" xmlns="" w="9525">
+                  <a14:hiddenLine xmlns="" xmlns:a14="http://schemas.microsoft.com/office/drawing/2010/main" w="9525">
                     <a:solidFill>
                       <a:srgbClr val="000000"/>
                     </a:solidFill>
@@ -9465,7 +12865,7 @@
               </a:ln>
               <a:extLst>
                 <a:ext uri="{91240B29-F687-4f45-9708-019B960494DF}">
-                  <a14:hiddenLine xmlns:a14="http://schemas.microsoft.com/office/drawing/2010/main" xmlns="" w="9525">
+                  <a14:hiddenLine xmlns="" xmlns:a14="http://schemas.microsoft.com/office/drawing/2010/main" w="9525">
                     <a:solidFill>
                       <a:srgbClr val="000000"/>
                     </a:solidFill>
@@ -9527,7 +12927,7 @@
               </a:ln>
               <a:extLst>
                 <a:ext uri="{91240B29-F687-4f45-9708-019B960494DF}">
-                  <a14:hiddenLine xmlns:a14="http://schemas.microsoft.com/office/drawing/2010/main" xmlns="" w="9525">
+                  <a14:hiddenLine xmlns="" xmlns:a14="http://schemas.microsoft.com/office/drawing/2010/main" w="9525">
                     <a:solidFill>
                       <a:srgbClr val="000000"/>
                     </a:solidFill>
@@ -9589,7 +12989,7 @@
               </a:ln>
               <a:extLst>
                 <a:ext uri="{91240B29-F687-4f45-9708-019B960494DF}">
-                  <a14:hiddenLine xmlns:a14="http://schemas.microsoft.com/office/drawing/2010/main" xmlns="" w="9525">
+                  <a14:hiddenLine xmlns="" xmlns:a14="http://schemas.microsoft.com/office/drawing/2010/main" w="9525">
                     <a:solidFill>
                       <a:srgbClr val="000000"/>
                     </a:solidFill>
@@ -9679,7 +13079,7 @@
               </a:ln>
               <a:extLst>
                 <a:ext uri="{91240B29-F687-4f45-9708-019B960494DF}">
-                  <a14:hiddenLine xmlns:a14="http://schemas.microsoft.com/office/drawing/2010/main" xmlns="" w="9525">
+                  <a14:hiddenLine xmlns="" xmlns:a14="http://schemas.microsoft.com/office/drawing/2010/main" w="9525">
                     <a:solidFill>
                       <a:srgbClr val="000000"/>
                     </a:solidFill>
@@ -9769,7 +13169,7 @@
               </a:ln>
               <a:extLst>
                 <a:ext uri="{91240B29-F687-4f45-9708-019B960494DF}">
-                  <a14:hiddenLine xmlns:a14="http://schemas.microsoft.com/office/drawing/2010/main" xmlns="" w="9525">
+                  <a14:hiddenLine xmlns="" xmlns:a14="http://schemas.microsoft.com/office/drawing/2010/main" w="9525">
                     <a:solidFill>
                       <a:srgbClr val="000000"/>
                     </a:solidFill>
@@ -9831,7 +13231,7 @@
               </a:ln>
               <a:extLst>
                 <a:ext uri="{91240B29-F687-4f45-9708-019B960494DF}">
-                  <a14:hiddenLine xmlns:a14="http://schemas.microsoft.com/office/drawing/2010/main" xmlns="" w="9525">
+                  <a14:hiddenLine xmlns="" xmlns:a14="http://schemas.microsoft.com/office/drawing/2010/main" w="9525">
                     <a:solidFill>
                       <a:srgbClr val="000000"/>
                     </a:solidFill>
@@ -9941,7 +13341,7 @@
               </a:ln>
               <a:extLst>
                 <a:ext uri="{91240B29-F687-4f45-9708-019B960494DF}">
-                  <a14:hiddenLine xmlns:a14="http://schemas.microsoft.com/office/drawing/2010/main" xmlns="" w="9525">
+                  <a14:hiddenLine xmlns="" xmlns:a14="http://schemas.microsoft.com/office/drawing/2010/main" w="9525">
                     <a:solidFill>
                       <a:srgbClr val="000000"/>
                     </a:solidFill>
@@ -10025,7 +13425,7 @@
               </a:ln>
               <a:extLst>
                 <a:ext uri="{91240B29-F687-4f45-9708-019B960494DF}">
-                  <a14:hiddenLine xmlns:a14="http://schemas.microsoft.com/office/drawing/2010/main" xmlns="" w="9525">
+                  <a14:hiddenLine xmlns="" xmlns:a14="http://schemas.microsoft.com/office/drawing/2010/main" w="9525">
                     <a:solidFill>
                       <a:srgbClr val="000000"/>
                     </a:solidFill>
@@ -10087,7 +13487,7 @@
               </a:ln>
               <a:extLst>
                 <a:ext uri="{91240B29-F687-4f45-9708-019B960494DF}">
-                  <a14:hiddenLine xmlns:a14="http://schemas.microsoft.com/office/drawing/2010/main" xmlns="" w="9525">
+                  <a14:hiddenLine xmlns="" xmlns:a14="http://schemas.microsoft.com/office/drawing/2010/main" w="9525">
                     <a:solidFill>
                       <a:srgbClr val="000000"/>
                     </a:solidFill>
@@ -10149,7 +13549,7 @@
               </a:ln>
               <a:extLst>
                 <a:ext uri="{91240B29-F687-4f45-9708-019B960494DF}">
-                  <a14:hiddenLine xmlns:a14="http://schemas.microsoft.com/office/drawing/2010/main" xmlns="" w="9525">
+                  <a14:hiddenLine xmlns="" xmlns:a14="http://schemas.microsoft.com/office/drawing/2010/main" w="9525">
                     <a:solidFill>
                       <a:srgbClr val="000000"/>
                     </a:solidFill>
@@ -10239,7 +13639,7 @@
               </a:ln>
               <a:extLst>
                 <a:ext uri="{91240B29-F687-4f45-9708-019B960494DF}">
-                  <a14:hiddenLine xmlns:a14="http://schemas.microsoft.com/office/drawing/2010/main" xmlns="" w="9525">
+                  <a14:hiddenLine xmlns="" xmlns:a14="http://schemas.microsoft.com/office/drawing/2010/main" w="9525">
                     <a:solidFill>
                       <a:srgbClr val="000000"/>
                     </a:solidFill>
@@ -10273,7 +13673,7 @@
               </a:ln>
               <a:extLst>
                 <a:ext uri="{91240B29-F687-4f45-9708-019B960494DF}">
-                  <a14:hiddenLine xmlns:a14="http://schemas.microsoft.com/office/drawing/2010/main" xmlns="" w="9525">
+                  <a14:hiddenLine xmlns="" xmlns:a14="http://schemas.microsoft.com/office/drawing/2010/main" w="9525">
                     <a:solidFill>
                       <a:srgbClr val="000000"/>
                     </a:solidFill>
@@ -10338,7 +13738,7 @@
               </a:ln>
               <a:extLst>
                 <a:ext uri="{91240B29-F687-4f45-9708-019B960494DF}">
-                  <a14:hiddenLine xmlns:a14="http://schemas.microsoft.com/office/drawing/2010/main" xmlns="" w="9525">
+                  <a14:hiddenLine xmlns="" xmlns:a14="http://schemas.microsoft.com/office/drawing/2010/main" w="9525">
                     <a:solidFill>
                       <a:srgbClr val="000000"/>
                     </a:solidFill>
@@ -10428,7 +13828,7 @@
               </a:ln>
               <a:extLst>
                 <a:ext uri="{91240B29-F687-4f45-9708-019B960494DF}">
-                  <a14:hiddenLine xmlns:a14="http://schemas.microsoft.com/office/drawing/2010/main" xmlns="" w="9525">
+                  <a14:hiddenLine xmlns="" xmlns:a14="http://schemas.microsoft.com/office/drawing/2010/main" w="9525">
                     <a:solidFill>
                       <a:srgbClr val="000000"/>
                     </a:solidFill>
@@ -10490,7 +13890,7 @@
               </a:ln>
               <a:extLst>
                 <a:ext uri="{91240B29-F687-4f45-9708-019B960494DF}">
-                  <a14:hiddenLine xmlns:a14="http://schemas.microsoft.com/office/drawing/2010/main" xmlns="" w="9525">
+                  <a14:hiddenLine xmlns="" xmlns:a14="http://schemas.microsoft.com/office/drawing/2010/main" w="9525">
                     <a:solidFill>
                       <a:srgbClr val="000000"/>
                     </a:solidFill>
@@ -10580,7 +13980,7 @@
               </a:ln>
               <a:extLst>
                 <a:ext uri="{91240B29-F687-4f45-9708-019B960494DF}">
-                  <a14:hiddenLine xmlns:a14="http://schemas.microsoft.com/office/drawing/2010/main" xmlns="" w="9525">
+                  <a14:hiddenLine xmlns="" xmlns:a14="http://schemas.microsoft.com/office/drawing/2010/main" w="9525">
                     <a:solidFill>
                       <a:srgbClr val="000000"/>
                     </a:solidFill>
@@ -10645,7 +14045,7 @@
               </a:ln>
               <a:extLst>
                 <a:ext uri="{91240B29-F687-4f45-9708-019B960494DF}">
-                  <a14:hiddenLine xmlns:a14="http://schemas.microsoft.com/office/drawing/2010/main" xmlns="" w="9525">
+                  <a14:hiddenLine xmlns="" xmlns:a14="http://schemas.microsoft.com/office/drawing/2010/main" w="9525">
                     <a:solidFill>
                       <a:srgbClr val="000000"/>
                     </a:solidFill>
@@ -10707,7 +14107,7 @@
               </a:ln>
               <a:extLst>
                 <a:ext uri="{91240B29-F687-4f45-9708-019B960494DF}">
-                  <a14:hiddenLine xmlns:a14="http://schemas.microsoft.com/office/drawing/2010/main" xmlns="" w="9525">
+                  <a14:hiddenLine xmlns="" xmlns:a14="http://schemas.microsoft.com/office/drawing/2010/main" w="9525">
                     <a:solidFill>
                       <a:srgbClr val="000000"/>
                     </a:solidFill>
@@ -10797,7 +14197,7 @@
               </a:ln>
               <a:extLst>
                 <a:ext uri="{91240B29-F687-4f45-9708-019B960494DF}">
-                  <a14:hiddenLine xmlns:a14="http://schemas.microsoft.com/office/drawing/2010/main" xmlns="" w="9525">
+                  <a14:hiddenLine xmlns="" xmlns:a14="http://schemas.microsoft.com/office/drawing/2010/main" w="9525">
                     <a:solidFill>
                       <a:srgbClr val="000000"/>
                     </a:solidFill>
@@ -10887,7 +14287,7 @@
               </a:ln>
               <a:extLst>
                 <a:ext uri="{91240B29-F687-4f45-9708-019B960494DF}">
-                  <a14:hiddenLine xmlns:a14="http://schemas.microsoft.com/office/drawing/2010/main" xmlns="" w="9525">
+                  <a14:hiddenLine xmlns="" xmlns:a14="http://schemas.microsoft.com/office/drawing/2010/main" w="9525">
                     <a:solidFill>
                       <a:srgbClr val="000000"/>
                     </a:solidFill>
@@ -10952,7 +14352,7 @@
               </a:ln>
               <a:extLst>
                 <a:ext uri="{91240B29-F687-4f45-9708-019B960494DF}">
-                  <a14:hiddenLine xmlns:a14="http://schemas.microsoft.com/office/drawing/2010/main" xmlns="" w="9525">
+                  <a14:hiddenLine xmlns="" xmlns:a14="http://schemas.microsoft.com/office/drawing/2010/main" w="9525">
                     <a:solidFill>
                       <a:srgbClr val="000000"/>
                     </a:solidFill>
@@ -11072,7 +14472,7 @@
               </a:ln>
               <a:extLst>
                 <a:ext uri="{91240B29-F687-4f45-9708-019B960494DF}">
-                  <a14:hiddenLine xmlns:a14="http://schemas.microsoft.com/office/drawing/2010/main" xmlns="" w="9525">
+                  <a14:hiddenLine xmlns="" xmlns:a14="http://schemas.microsoft.com/office/drawing/2010/main" w="9525">
                     <a:solidFill>
                       <a:srgbClr val="000000"/>
                     </a:solidFill>
@@ -11170,7 +14570,7 @@
               </a:ln>
               <a:extLst>
                 <a:ext uri="{91240B29-F687-4f45-9708-019B960494DF}">
-                  <a14:hiddenLine xmlns:a14="http://schemas.microsoft.com/office/drawing/2010/main" xmlns="" w="9525">
+                  <a14:hiddenLine xmlns="" xmlns:a14="http://schemas.microsoft.com/office/drawing/2010/main" w="9525">
                     <a:solidFill>
                       <a:srgbClr val="000000"/>
                     </a:solidFill>
@@ -11285,7 +14685,7 @@
               </a:ln>
               <a:extLst>
                 <a:ext uri="{91240B29-F687-4f45-9708-019B960494DF}">
-                  <a14:hiddenLine xmlns:a14="http://schemas.microsoft.com/office/drawing/2010/main" xmlns="" w="9525">
+                  <a14:hiddenLine xmlns="" xmlns:a14="http://schemas.microsoft.com/office/drawing/2010/main" w="9525">
                     <a:solidFill>
                       <a:srgbClr val="000000"/>
                     </a:solidFill>
@@ -11375,7 +14775,7 @@
               </a:ln>
               <a:extLst>
                 <a:ext uri="{91240B29-F687-4f45-9708-019B960494DF}">
-                  <a14:hiddenLine xmlns:a14="http://schemas.microsoft.com/office/drawing/2010/main" xmlns="" w="9525">
+                  <a14:hiddenLine xmlns="" xmlns:a14="http://schemas.microsoft.com/office/drawing/2010/main" w="9525">
                     <a:solidFill>
                       <a:srgbClr val="000000"/>
                     </a:solidFill>
@@ -11440,7 +14840,7 @@
               </a:ln>
               <a:extLst>
                 <a:ext uri="{91240B29-F687-4f45-9708-019B960494DF}">
-                  <a14:hiddenLine xmlns:a14="http://schemas.microsoft.com/office/drawing/2010/main" xmlns="" w="9525">
+                  <a14:hiddenLine xmlns="" xmlns:a14="http://schemas.microsoft.com/office/drawing/2010/main" w="9525">
                     <a:solidFill>
                       <a:srgbClr val="000000"/>
                     </a:solidFill>
@@ -11530,7 +14930,7 @@
               </a:ln>
               <a:extLst>
                 <a:ext uri="{91240B29-F687-4f45-9708-019B960494DF}">
-                  <a14:hiddenLine xmlns:a14="http://schemas.microsoft.com/office/drawing/2010/main" xmlns="" w="9525">
+                  <a14:hiddenLine xmlns="" xmlns:a14="http://schemas.microsoft.com/office/drawing/2010/main" w="9525">
                     <a:solidFill>
                       <a:srgbClr val="000000"/>
                     </a:solidFill>
@@ -11598,7 +14998,7 @@
               </a:ln>
               <a:extLst>
                 <a:ext uri="{91240B29-F687-4f45-9708-019B960494DF}">
-                  <a14:hiddenLine xmlns:a14="http://schemas.microsoft.com/office/drawing/2010/main" xmlns="" w="9525">
+                  <a14:hiddenLine xmlns="" xmlns:a14="http://schemas.microsoft.com/office/drawing/2010/main" w="9525">
                     <a:solidFill>
                       <a:srgbClr val="000000"/>
                     </a:solidFill>
@@ -11688,7 +15088,7 @@
               </a:ln>
               <a:extLst>
                 <a:ext uri="{91240B29-F687-4f45-9708-019B960494DF}">
-                  <a14:hiddenLine xmlns:a14="http://schemas.microsoft.com/office/drawing/2010/main" xmlns="" w="9525">
+                  <a14:hiddenLine xmlns="" xmlns:a14="http://schemas.microsoft.com/office/drawing/2010/main" w="9525">
                     <a:solidFill>
                       <a:srgbClr val="000000"/>
                     </a:solidFill>
@@ -11756,7 +15156,7 @@
               </a:ln>
               <a:extLst>
                 <a:ext uri="{91240B29-F687-4f45-9708-019B960494DF}">
-                  <a14:hiddenLine xmlns:a14="http://schemas.microsoft.com/office/drawing/2010/main" xmlns="" w="9525">
+                  <a14:hiddenLine xmlns="" xmlns:a14="http://schemas.microsoft.com/office/drawing/2010/main" w="9525">
                     <a:solidFill>
                       <a:srgbClr val="000000"/>
                     </a:solidFill>
@@ -11846,7 +15246,7 @@
               </a:ln>
               <a:extLst>
                 <a:ext uri="{91240B29-F687-4f45-9708-019B960494DF}">
-                  <a14:hiddenLine xmlns:a14="http://schemas.microsoft.com/office/drawing/2010/main" xmlns="" w="9525">
+                  <a14:hiddenLine xmlns="" xmlns:a14="http://schemas.microsoft.com/office/drawing/2010/main" w="9525">
                     <a:solidFill>
                       <a:srgbClr val="000000"/>
                     </a:solidFill>
@@ -11880,7 +15280,7 @@
               </a:ln>
               <a:extLst>
                 <a:ext uri="{91240B29-F687-4f45-9708-019B960494DF}">
-                  <a14:hiddenLine xmlns:a14="http://schemas.microsoft.com/office/drawing/2010/main" xmlns="" w="9525">
+                  <a14:hiddenLine xmlns="" xmlns:a14="http://schemas.microsoft.com/office/drawing/2010/main" w="9525">
                     <a:solidFill>
                       <a:srgbClr val="000000"/>
                     </a:solidFill>
@@ -12536,6 +15936,96 @@
           <p:cNvPr id="2" name="Title 1">
             <a:extLst>
               <a:ext uri="{FF2B5EF4-FFF2-40B4-BE49-F238E27FC236}">
+                <a16:creationId xmlns:a16="http://schemas.microsoft.com/office/drawing/2014/main" id="{CB5A120D-6B18-0A40-9808-EC6A31DC9A76}"/>
+              </a:ext>
+            </a:extLst>
+          </p:cNvPr>
+          <p:cNvSpPr>
+            <a:spLocks noGrp="1"/>
+          </p:cNvSpPr>
+          <p:nvPr>
+            <p:ph type="title"/>
+          </p:nvPr>
+        </p:nvSpPr>
+        <p:spPr/>
+        <p:txBody>
+          <a:bodyPr/>
+          <a:lstStyle/>
+          <a:p>
+            <a:r>
+              <a:rPr lang="en-US" dirty="0" err="1"/>
+              <a:t>WorKFlow</a:t>
+            </a:r>
+            <a:endParaRPr lang="en-US" dirty="0"/>
+          </a:p>
+        </p:txBody>
+      </p:sp>
+      <p:graphicFrame>
+        <p:nvGraphicFramePr>
+          <p:cNvPr id="4" name="Content Placeholder 3">
+            <a:extLst>
+              <a:ext uri="{FF2B5EF4-FFF2-40B4-BE49-F238E27FC236}">
+                <a16:creationId xmlns:a16="http://schemas.microsoft.com/office/drawing/2014/main" id="{13920A89-CD18-C043-8C64-74B9A420E378}"/>
+              </a:ext>
+            </a:extLst>
+          </p:cNvPr>
+          <p:cNvGraphicFramePr>
+            <a:graphicFrameLocks noGrp="1"/>
+          </p:cNvGraphicFramePr>
+          <p:nvPr>
+            <p:ph idx="1"/>
+            <p:extLst>
+              <p:ext uri="{D42A27DB-BD31-4B8C-83A1-F6EECF244321}">
+                <p14:modId xmlns:p14="http://schemas.microsoft.com/office/powerpoint/2010/main" val="3427202693"/>
+              </p:ext>
+            </p:extLst>
+          </p:nvPr>
+        </p:nvGraphicFramePr>
+        <p:xfrm>
+          <a:off x="1763240" y="1717053"/>
+          <a:ext cx="8662344" cy="5030988"/>
+        </p:xfrm>
+        <a:graphic>
+          <a:graphicData uri="http://schemas.openxmlformats.org/drawingml/2006/diagram">
+            <dgm:relIds xmlns:dgm="http://schemas.openxmlformats.org/drawingml/2006/diagram" xmlns:r="http://schemas.openxmlformats.org/officeDocument/2006/relationships" r:dm="rId2" r:lo="rId3" r:qs="rId4" r:cs="rId5"/>
+          </a:graphicData>
+        </a:graphic>
+      </p:graphicFrame>
+    </p:spTree>
+    <p:extLst>
+      <p:ext uri="{BB962C8B-B14F-4D97-AF65-F5344CB8AC3E}">
+        <p14:creationId xmlns:p14="http://schemas.microsoft.com/office/powerpoint/2010/main" val="3024169539"/>
+      </p:ext>
+    </p:extLst>
+  </p:cSld>
+  <p:clrMapOvr>
+    <a:masterClrMapping/>
+  </p:clrMapOvr>
+</p:sld>
+</file>
+
+<file path=ppt/slides/slide11.xml><?xml version="1.0" encoding="utf-8"?>
+<p:sld xmlns:a="http://schemas.openxmlformats.org/drawingml/2006/main" xmlns:r="http://schemas.openxmlformats.org/officeDocument/2006/relationships" xmlns:p="http://schemas.openxmlformats.org/presentationml/2006/main">
+  <p:cSld>
+    <p:spTree>
+      <p:nvGrpSpPr>
+        <p:cNvPr id="1" name=""/>
+        <p:cNvGrpSpPr/>
+        <p:nvPr/>
+      </p:nvGrpSpPr>
+      <p:grpSpPr>
+        <a:xfrm>
+          <a:off x="0" y="0"/>
+          <a:ext cx="0" cy="0"/>
+          <a:chOff x="0" y="0"/>
+          <a:chExt cx="0" cy="0"/>
+        </a:xfrm>
+      </p:grpSpPr>
+      <p:sp>
+        <p:nvSpPr>
+          <p:cNvPr id="2" name="Title 1">
+            <a:extLst>
+              <a:ext uri="{FF2B5EF4-FFF2-40B4-BE49-F238E27FC236}">
                 <a16:creationId xmlns:a16="http://schemas.microsoft.com/office/drawing/2014/main" id="{22C2E41F-B7AF-6744-A21F-396BA2D5E9A4}"/>
               </a:ext>
             </a:extLst>
